--- a/Presentation.pptx
+++ b/Presentation.pptx
@@ -5,10 +5,10 @@
     <p:sldMasterId id="2147483648" r:id="rId1"/>
   </p:sldMasterIdLst>
   <p:notesMasterIdLst>
-    <p:notesMasterId r:id="rId15"/>
+    <p:notesMasterId r:id="rId16"/>
   </p:notesMasterIdLst>
   <p:handoutMasterIdLst>
-    <p:handoutMasterId r:id="rId16"/>
+    <p:handoutMasterId r:id="rId17"/>
   </p:handoutMasterIdLst>
   <p:sldIdLst>
     <p:sldId id="292" r:id="rId2"/>
@@ -19,11 +19,12 @@
     <p:sldId id="286" r:id="rId7"/>
     <p:sldId id="305" r:id="rId8"/>
     <p:sldId id="306" r:id="rId9"/>
-    <p:sldId id="300" r:id="rId10"/>
-    <p:sldId id="301" r:id="rId11"/>
-    <p:sldId id="302" r:id="rId12"/>
-    <p:sldId id="303" r:id="rId13"/>
-    <p:sldId id="304" r:id="rId14"/>
+    <p:sldId id="308" r:id="rId10"/>
+    <p:sldId id="300" r:id="rId11"/>
+    <p:sldId id="301" r:id="rId12"/>
+    <p:sldId id="302" r:id="rId13"/>
+    <p:sldId id="303" r:id="rId14"/>
+    <p:sldId id="304" r:id="rId15"/>
   </p:sldIdLst>
   <p:sldSz cx="12192000" cy="6858000"/>
   <p:notesSz cx="7104063" cy="10234613"/>
@@ -139,6 +140,7 @@
             <p14:sldId id="286"/>
             <p14:sldId id="305"/>
             <p14:sldId id="306"/>
+            <p14:sldId id="308"/>
             <p14:sldId id="300"/>
           </p14:sldIdLst>
         </p14:section>
@@ -252,7 +254,7 @@
           <a:p>
             <a:fld id="{0F9B84EA-7D68-4D60-9CB1-D50884785D1C}" type="datetimeFigureOut">
               <a:rPr lang="zh-CN" altLang="en-US" smtClean="0"/>
-              <a:t>2021/9/29</a:t>
+              <a:t>2021/9/30</a:t>
             </a:fld>
             <a:endParaRPr lang="zh-CN" altLang="en-US"/>
           </a:p>
@@ -417,7 +419,7 @@
           <a:p>
             <a:fld id="{D6C8D182-E4C8-4120-9249-FC9774456FFA}" type="datetimeFigureOut">
               <a:rPr lang="zh-CN" altLang="en-US" smtClean="0"/>
-              <a:t>2021/9/29</a:t>
+              <a:t>2021/9/30</a:t>
             </a:fld>
             <a:endParaRPr lang="zh-CN" altLang="en-US"/>
           </a:p>
@@ -1047,12 +1049,12 @@
 </p:notes>
 </file>
 
-<file path=ppt/notesSlides/notesSlide2.xml><?xml version="1.0" encoding="utf-8"?>
+<file path=ppt/notesSlides/notesSlide13.xml><?xml version="1.0" encoding="utf-8"?>
 <p:notes xmlns:a="http://schemas.openxmlformats.org/drawingml/2006/main" xmlns:r="http://schemas.openxmlformats.org/officeDocument/2006/relationships" xmlns:p="http://schemas.openxmlformats.org/presentationml/2006/main" showMasterSp="0" showMasterPhAnim="0">
   <p:cSld>
     <p:spTree>
       <p:nvGrpSpPr>
-        <p:cNvPr id="1" name="Shape 9567"/>
+        <p:cNvPr id="1" name="Shape 6196"/>
         <p:cNvGrpSpPr/>
         <p:nvPr/>
       </p:nvGrpSpPr>
@@ -1066,7 +1068,7 @@
       </p:grpSpPr>
       <p:sp>
         <p:nvSpPr>
-          <p:cNvPr id="9568" name="Google Shape;9568;gc78d6e9d98_5_29:notes"/>
+          <p:cNvPr id="6197" name="Google Shape;6197;g78327f1586_217_291:notes"/>
           <p:cNvSpPr>
             <a:spLocks noGrp="1" noRot="1" noChangeAspect="1"/>
           </p:cNvSpPr>
@@ -1107,6 +1109,110 @@
       </p:sp>
       <p:sp>
         <p:nvSpPr>
+          <p:cNvPr id="6198" name="Google Shape;6198;g78327f1586_217_291:notes"/>
+          <p:cNvSpPr txBox="1">
+            <a:spLocks noGrp="1"/>
+          </p:cNvSpPr>
+          <p:nvPr>
+            <p:ph type="body" idx="1"/>
+          </p:nvPr>
+        </p:nvSpPr>
+        <p:spPr>
+          <a:xfrm>
+            <a:off x="685800" y="4343400"/>
+            <a:ext cx="5486400" cy="4114800"/>
+          </a:xfrm>
+          <a:prstGeom prst="rect">
+            <a:avLst/>
+          </a:prstGeom>
+        </p:spPr>
+        <p:txBody>
+          <a:bodyPr spcFirstLastPara="1" wrap="square" lIns="91425" tIns="91425" rIns="91425" bIns="91425" anchor="t" anchorCtr="0">
+            <a:noAutofit/>
+          </a:bodyPr>
+          <a:lstStyle/>
+          <a:p>
+            <a:pPr marL="0" lvl="0" indent="0" algn="l" rtl="0">
+              <a:spcBef>
+                <a:spcPts val="0"/>
+              </a:spcBef>
+              <a:spcAft>
+                <a:spcPts val="0"/>
+              </a:spcAft>
+              <a:buNone/>
+            </a:pPr>
+            <a:endParaRPr/>
+          </a:p>
+        </p:txBody>
+      </p:sp>
+    </p:spTree>
+  </p:cSld>
+  <p:clrMapOvr>
+    <a:masterClrMapping/>
+  </p:clrMapOvr>
+</p:notes>
+</file>
+
+<file path=ppt/notesSlides/notesSlide2.xml><?xml version="1.0" encoding="utf-8"?>
+<p:notes xmlns:a="http://schemas.openxmlformats.org/drawingml/2006/main" xmlns:r="http://schemas.openxmlformats.org/officeDocument/2006/relationships" xmlns:p="http://schemas.openxmlformats.org/presentationml/2006/main" showMasterSp="0" showMasterPhAnim="0">
+  <p:cSld>
+    <p:spTree>
+      <p:nvGrpSpPr>
+        <p:cNvPr id="1" name="Shape 9567"/>
+        <p:cNvGrpSpPr/>
+        <p:nvPr/>
+      </p:nvGrpSpPr>
+      <p:grpSpPr>
+        <a:xfrm>
+          <a:off x="0" y="0"/>
+          <a:ext cx="0" cy="0"/>
+          <a:chOff x="0" y="0"/>
+          <a:chExt cx="0" cy="0"/>
+        </a:xfrm>
+      </p:grpSpPr>
+      <p:sp>
+        <p:nvSpPr>
+          <p:cNvPr id="9568" name="Google Shape;9568;gc78d6e9d98_5_29:notes"/>
+          <p:cNvSpPr>
+            <a:spLocks noGrp="1" noRot="1" noChangeAspect="1"/>
+          </p:cNvSpPr>
+          <p:nvPr>
+            <p:ph type="sldImg" idx="2"/>
+          </p:nvPr>
+        </p:nvSpPr>
+        <p:spPr>
+          <a:xfrm>
+            <a:off x="381000" y="685800"/>
+            <a:ext cx="6096000" cy="3429000"/>
+          </a:xfrm>
+          <a:custGeom>
+            <a:avLst/>
+            <a:gdLst/>
+            <a:ahLst/>
+            <a:cxnLst/>
+            <a:rect l="l" t="t" r="r" b="b"/>
+            <a:pathLst>
+              <a:path w="120000" h="120000" extrusionOk="0">
+                <a:moveTo>
+                  <a:pt x="0" y="0"/>
+                </a:moveTo>
+                <a:lnTo>
+                  <a:pt x="120000" y="0"/>
+                </a:lnTo>
+                <a:lnTo>
+                  <a:pt x="120000" y="120000"/>
+                </a:lnTo>
+                <a:lnTo>
+                  <a:pt x="0" y="120000"/>
+                </a:lnTo>
+                <a:close/>
+              </a:path>
+            </a:pathLst>
+          </a:custGeom>
+        </p:spPr>
+      </p:sp>
+      <p:sp>
+        <p:nvSpPr>
           <p:cNvPr id="9569" name="Google Shape;9569;gc78d6e9d98_5_29:notes"/>
           <p:cNvSpPr txBox="1">
             <a:spLocks noGrp="1"/>
@@ -2020,6 +2126,11 @@
         </p:txBody>
       </p:sp>
     </p:spTree>
+    <p:extLst>
+      <p:ext uri="{BB962C8B-B14F-4D97-AF65-F5344CB8AC3E}">
+        <p14:creationId xmlns:p14="http://schemas.microsoft.com/office/powerpoint/2010/main" val="193960404"/>
+      </p:ext>
+    </p:extLst>
   </p:cSld>
   <p:clrMapOvr>
     <a:masterClrMapping/>
@@ -2316,7 +2427,7 @@
           <a:p>
             <a:fld id="{0DD8198D-65AA-43C7-A7ED-B03DF4CE269C}" type="datetime1">
               <a:rPr lang="zh-CN" altLang="en-US" smtClean="0"/>
-              <a:t>2021/9/29</a:t>
+              <a:t>2021/9/30</a:t>
             </a:fld>
             <a:endParaRPr lang="zh-CN" altLang="en-US"/>
           </a:p>
@@ -2590,7 +2701,7 @@
                 <a:ea typeface="宋体" pitchFamily="2" charset="-122"/>
                 <a:cs typeface="+mn-cs"/>
               </a:rPr>
-              <a:t>2021/9/29</a:t>
+              <a:t>2021/9/30</a:t>
             </a:fld>
             <a:endParaRPr kumimoji="0" lang="en-US" altLang="zh-CN" sz="1400" b="0" i="0" u="none" strike="noStrike" kern="1200" cap="none" spc="0" normalizeH="0" baseline="0" noProof="0">
               <a:ln>
@@ -2847,7 +2958,7 @@
           <a:p>
             <a:fld id="{47B03E71-776D-4B7D-850B-F0146D3E767F}" type="datetime1">
               <a:rPr lang="zh-CN" altLang="en-US" smtClean="0"/>
-              <a:t>2021/9/29</a:t>
+              <a:t>2021/9/30</a:t>
             </a:fld>
             <a:endParaRPr lang="zh-CN" altLang="en-US"/>
           </a:p>
@@ -2959,7 +3070,7 @@
           <a:p>
             <a:fld id="{284A8AC3-3B8C-4A8B-8E7C-A436C4BA8CD7}" type="datetime1">
               <a:rPr lang="zh-CN" altLang="en-US" smtClean="0"/>
-              <a:t>2021/9/29</a:t>
+              <a:t>2021/9/30</a:t>
             </a:fld>
             <a:endParaRPr lang="zh-CN" altLang="en-US"/>
           </a:p>
@@ -3071,7 +3182,7 @@
           <a:p>
             <a:fld id="{F062950D-B9D4-485B-BA9B-0D6719A647A2}" type="datetime1">
               <a:rPr lang="zh-CN" altLang="en-US" smtClean="0"/>
-              <a:t>2021/9/29</a:t>
+              <a:t>2021/9/30</a:t>
             </a:fld>
             <a:endParaRPr lang="zh-CN" altLang="en-US"/>
           </a:p>
@@ -3183,7 +3294,7 @@
           <a:p>
             <a:fld id="{7B3CA23A-A58C-4DC8-B7F2-8F35C7085078}" type="datetime1">
               <a:rPr lang="zh-CN" altLang="en-US" smtClean="0"/>
-              <a:t>2021/9/29</a:t>
+              <a:t>2021/9/30</a:t>
             </a:fld>
             <a:endParaRPr lang="zh-CN" altLang="en-US"/>
           </a:p>
@@ -3295,7 +3406,7 @@
           <a:p>
             <a:fld id="{DA6F127C-8D5D-4ACE-A33C-9EFFBFF1F0EE}" type="datetime1">
               <a:rPr lang="zh-CN" altLang="en-US" smtClean="0"/>
-              <a:t>2021/9/29</a:t>
+              <a:t>2021/9/30</a:t>
             </a:fld>
             <a:endParaRPr lang="zh-CN" altLang="en-US"/>
           </a:p>
@@ -3407,7 +3518,7 @@
           <a:p>
             <a:fld id="{9D593CF4-9AE8-46C2-A22C-505C1111DC65}" type="datetime1">
               <a:rPr lang="zh-CN" altLang="en-US" smtClean="0"/>
-              <a:t>2021/9/29</a:t>
+              <a:t>2021/9/30</a:t>
             </a:fld>
             <a:endParaRPr lang="zh-CN" altLang="en-US"/>
           </a:p>
@@ -3519,7 +3630,7 @@
           <a:p>
             <a:fld id="{48E686CC-2CAF-405C-A102-84D890D78190}" type="datetime1">
               <a:rPr lang="zh-CN" altLang="en-US" smtClean="0"/>
-              <a:t>2021/9/29</a:t>
+              <a:t>2021/9/30</a:t>
             </a:fld>
             <a:endParaRPr lang="zh-CN" altLang="en-US"/>
           </a:p>
@@ -3631,7 +3742,7 @@
           <a:p>
             <a:fld id="{57341166-8342-44E9-BAD2-0051ECFA5BC4}" type="datetime1">
               <a:rPr lang="zh-CN" altLang="en-US" smtClean="0"/>
-              <a:t>2021/9/29</a:t>
+              <a:t>2021/9/30</a:t>
             </a:fld>
             <a:endParaRPr lang="zh-CN" altLang="en-US"/>
           </a:p>
@@ -3743,7 +3854,7 @@
           <a:p>
             <a:fld id="{7F48470B-09F3-45E4-BB52-D46DDC95B15A}" type="datetime1">
               <a:rPr lang="zh-CN" altLang="en-US" smtClean="0"/>
-              <a:t>2021/9/29</a:t>
+              <a:t>2021/9/30</a:t>
             </a:fld>
             <a:endParaRPr lang="zh-CN" altLang="en-US"/>
           </a:p>
@@ -3906,7 +4017,7 @@
           <a:p>
             <a:fld id="{69ACD85E-30D6-46AB-A8E2-BF0903B3D2F0}" type="datetime1">
               <a:rPr lang="zh-CN" altLang="en-US" smtClean="0"/>
-              <a:t>2021/9/29</a:t>
+              <a:t>2021/9/30</a:t>
             </a:fld>
             <a:endParaRPr lang="zh-CN" altLang="en-US"/>
           </a:p>
@@ -4454,7 +4565,7 @@
           <a:p>
             <a:fld id="{492AFC66-EDC9-41B7-BE61-431262386517}" type="datetime1">
               <a:rPr lang="zh-CN" altLang="en-US" smtClean="0"/>
-              <a:t>2021/9/29</a:t>
+              <a:t>2021/9/30</a:t>
             </a:fld>
             <a:endParaRPr lang="zh-CN" altLang="en-US"/>
           </a:p>
@@ -4678,7 +4789,7 @@
           <a:p>
             <a:fld id="{A3FEECCB-C84D-4166-A041-32885F4027D5}" type="datetime1">
               <a:rPr lang="zh-CN" altLang="en-US" smtClean="0"/>
-              <a:t>2021/9/29</a:t>
+              <a:t>2021/9/30</a:t>
             </a:fld>
             <a:endParaRPr lang="zh-CN" altLang="en-US"/>
           </a:p>
@@ -5037,7 +5148,7 @@
           <a:p>
             <a:fld id="{76B3780A-C727-4C77-A3B4-DF319C02D7B6}" type="datetime1">
               <a:rPr lang="zh-CN" altLang="en-US" smtClean="0"/>
-              <a:t>2021/9/29</a:t>
+              <a:t>2021/9/30</a:t>
             </a:fld>
             <a:endParaRPr lang="zh-CN" altLang="en-US"/>
           </a:p>
@@ -5149,7 +5260,7 @@
           <a:p>
             <a:fld id="{452478C2-F058-46BD-B2FE-7E0C12DE2897}" type="datetime1">
               <a:rPr lang="zh-CN" altLang="en-US" smtClean="0"/>
-              <a:t>2021/9/29</a:t>
+              <a:t>2021/9/30</a:t>
             </a:fld>
             <a:endParaRPr lang="zh-CN" altLang="en-US"/>
           </a:p>
@@ -5239,7 +5350,7 @@
           <a:p>
             <a:fld id="{7435F29D-95A5-4481-9A6C-5800F74F5B29}" type="datetime1">
               <a:rPr lang="zh-CN" altLang="en-US" smtClean="0"/>
-              <a:t>2021/9/29</a:t>
+              <a:t>2021/9/30</a:t>
             </a:fld>
             <a:endParaRPr lang="zh-CN" altLang="en-US"/>
           </a:p>
@@ -5538,7 +5649,7 @@
                 <a:ea typeface="宋体" pitchFamily="2" charset="-122"/>
                 <a:cs typeface="+mn-cs"/>
               </a:rPr>
-              <a:t>2021/9/29</a:t>
+              <a:t>2021/9/30</a:t>
             </a:fld>
             <a:endParaRPr kumimoji="0" lang="en-US" altLang="zh-CN" sz="1400" b="0" i="0" u="none" strike="noStrike" kern="1200" cap="none" spc="0" normalizeH="0" baseline="0" noProof="0">
               <a:ln>
@@ -5898,7 +6009,7 @@
           <a:p>
             <a:fld id="{AC5D13B7-BC69-4EBE-B65A-AC3D00501309}" type="datetime1">
               <a:rPr lang="zh-CN" altLang="en-US" smtClean="0"/>
-              <a:t>2021/9/29</a:t>
+              <a:t>2021/9/30</a:t>
             </a:fld>
             <a:endParaRPr lang="zh-CN" altLang="en-US" dirty="0"/>
           </a:p>
@@ -6197,7 +6308,7 @@
           <a:p>
             <a:fld id="{72FECCB6-08C2-4E80-995E-D3BAC25BCEA8}" type="datetime1">
               <a:rPr lang="zh-CN" altLang="en-US" smtClean="0"/>
-              <a:t>2021/9/29</a:t>
+              <a:t>2021/9/30</a:t>
             </a:fld>
             <a:endParaRPr lang="zh-CN" altLang="en-US"/>
           </a:p>
@@ -6822,7 +6933,7 @@
           <a:lstStyle/>
           <a:p>
             <a:r>
-              <a:rPr lang="zh-CN" altLang="en-US" sz="3600">
+              <a:rPr lang="zh-CN" altLang="en-US" sz="3600" dirty="0">
                 <a:solidFill>
                   <a:schemeClr val="tx1"/>
                 </a:solidFill>
@@ -6832,17 +6943,17 @@
           </a:p>
           <a:p>
             <a:r>
-              <a:rPr lang="en-US" altLang="zh-CN" sz="3600"/>
+              <a:rPr lang="en-US" altLang="zh-CN" sz="3600" dirty="0"/>
               <a:t>		                          </a:t>
             </a:r>
           </a:p>
           <a:p>
             <a:r>
-              <a:rPr lang="en-US" altLang="zh-CN" sz="3600"/>
+              <a:rPr lang="en-US" altLang="zh-CN" sz="3600" dirty="0"/>
               <a:t>						</a:t>
             </a:r>
             <a:r>
-              <a:rPr lang="zh-CN" altLang="en-US" sz="2800">
+              <a:rPr lang="zh-CN" altLang="en-US" sz="2800" dirty="0">
                 <a:solidFill>
                   <a:schemeClr val="tx1"/>
                 </a:solidFill>
@@ -6850,7 +6961,7 @@
               <a:t>报告人：徐亮，</a:t>
             </a:r>
             <a:r>
-              <a:rPr lang="zh-CN" altLang="en-US" sz="2800">
+              <a:rPr lang="zh-CN" altLang="en-US" sz="2800" dirty="0">
                 <a:solidFill>
                   <a:schemeClr val="tx1"/>
                 </a:solidFill>
@@ -6859,7 +6970,7 @@
               <a:t>张海刚</a:t>
             </a:r>
             <a:r>
-              <a:rPr lang="en-US" altLang="zh-CN" sz="2800">
+              <a:rPr lang="en-US" altLang="zh-CN" sz="2800" dirty="0">
                 <a:solidFill>
                   <a:schemeClr val="tx1"/>
                 </a:solidFill>
@@ -6895,66 +7006,702 @@
           <a:chExt cx="0" cy="0"/>
         </a:xfrm>
       </p:grpSpPr>
-      <p:sp>
-        <p:nvSpPr>
-          <p:cNvPr id="3" name="文本框 2">
-            <a:extLst>
-              <a:ext uri="{FF2B5EF4-FFF2-40B4-BE49-F238E27FC236}">
-                <a16:creationId xmlns:a16="http://schemas.microsoft.com/office/drawing/2014/main" id="{4BA66400-D649-4160-9BA4-C9C746359D3C}"/>
-              </a:ext>
-            </a:extLst>
-          </p:cNvPr>
-          <p:cNvSpPr txBox="1"/>
+      <p:pic>
+        <p:nvPicPr>
+          <p:cNvPr id="2" name="Picture 1" descr="fig6"/>
+          <p:cNvPicPr>
+            <a:picLocks noChangeAspect="1"/>
+          </p:cNvPicPr>
           <p:nvPr/>
-        </p:nvSpPr>
+        </p:nvPicPr>
+        <p:blipFill>
+          <a:blip r:embed="rId3"/>
+          <a:stretch>
+            <a:fillRect/>
+          </a:stretch>
+        </p:blipFill>
         <p:spPr>
           <a:xfrm>
-            <a:off x="71020" y="40858"/>
-            <a:ext cx="3044301" cy="461665"/>
+            <a:off x="4848225" y="745490"/>
+            <a:ext cx="6038850" cy="3390900"/>
           </a:xfrm>
           <a:prstGeom prst="rect">
             <a:avLst/>
           </a:prstGeom>
-          <a:ln/>
         </p:spPr>
-        <p:style>
-          <a:lnRef idx="1">
-            <a:schemeClr val="accent6"/>
-          </a:lnRef>
-          <a:fillRef idx="2">
-            <a:schemeClr val="accent6"/>
-          </a:fillRef>
-          <a:effectRef idx="1">
-            <a:schemeClr val="accent6"/>
-          </a:effectRef>
-          <a:fontRef idx="minor">
-            <a:schemeClr val="dk1"/>
-          </a:fontRef>
-        </p:style>
-        <p:txBody>
-          <a:bodyPr wrap="square">
+      </p:pic>
+      <p:sp>
+        <p:nvSpPr>
+          <p:cNvPr id="9571" name="Google Shape;9571;p134"/>
+          <p:cNvSpPr txBox="1"/>
+          <p:nvPr/>
+        </p:nvSpPr>
+        <p:spPr>
+          <a:xfrm>
+            <a:off x="1972000" y="72665"/>
+            <a:ext cx="8248000" cy="673100"/>
+          </a:xfrm>
+          <a:prstGeom prst="rect">
+            <a:avLst/>
+          </a:prstGeom>
+          <a:noFill/>
+          <a:ln>
+            <a:noFill/>
+          </a:ln>
+        </p:spPr>
+        <p:txBody>
+          <a:bodyPr spcFirstLastPara="1" wrap="square" lIns="121900" tIns="121900" rIns="121900" bIns="121900" anchor="t" anchorCtr="0">
+            <a:spAutoFit/>
+            <a:scene3d>
+              <a:camera prst="orthographicFront"/>
+              <a:lightRig rig="soft" dir="t">
+                <a:rot lat="0" lon="0" rev="15600000"/>
+              </a:lightRig>
+            </a:scene3d>
+            <a:sp3d extrusionH="57150" prstMaterial="softEdge">
+              <a:bevelT w="25400" h="38100"/>
+            </a:sp3d>
+          </a:bodyPr>
+          <a:lstStyle/>
+          <a:p>
+            <a:pPr marL="0" lvl="0" indent="0" algn="ctr" rtl="0">
+              <a:spcBef>
+                <a:spcPts val="0"/>
+              </a:spcBef>
+              <a:spcAft>
+                <a:spcPts val="0"/>
+              </a:spcAft>
+              <a:buNone/>
+            </a:pPr>
+            <a:r>
+              <a:rPr lang="zh-CN" altLang="en-US" sz="2800" b="1" dirty="0">
+                <a:solidFill>
+                  <a:schemeClr val="accent4"/>
+                </a:solidFill>
+                <a:effectLst/>
+              </a:rPr>
+              <a:t>例：基于抛物方程方法的</a:t>
+            </a:r>
+            <a:r>
+              <a:rPr lang="zh-CN" altLang="en-US" sz="2800" b="1" dirty="0">
+                <a:solidFill>
+                  <a:srgbClr val="FF0000"/>
+                </a:solidFill>
+                <a:effectLst/>
+              </a:rPr>
+              <a:t>数据集</a:t>
+            </a:r>
+            <a:r>
+              <a:rPr lang="zh-CN" altLang="en-US" sz="2800" b="1" dirty="0">
+                <a:solidFill>
+                  <a:schemeClr val="accent4"/>
+                </a:solidFill>
+                <a:effectLst/>
+              </a:rPr>
+              <a:t>生成</a:t>
+            </a:r>
+          </a:p>
+        </p:txBody>
+      </p:sp>
+      <p:pic>
+        <p:nvPicPr>
+          <p:cNvPr id="3" name="Picture 2" descr="fig5"/>
+          <p:cNvPicPr>
+            <a:picLocks noChangeAspect="1"/>
+          </p:cNvPicPr>
+          <p:nvPr/>
+        </p:nvPicPr>
+        <p:blipFill>
+          <a:blip r:embed="rId4"/>
+          <a:stretch>
+            <a:fillRect/>
+          </a:stretch>
+        </p:blipFill>
+        <p:spPr>
+          <a:xfrm>
+            <a:off x="10136" y="745490"/>
+            <a:ext cx="4855845" cy="3642360"/>
+          </a:xfrm>
+          <a:prstGeom prst="rect">
+            <a:avLst/>
+          </a:prstGeom>
+        </p:spPr>
+      </p:pic>
+      <mc:AlternateContent xmlns:mc="http://schemas.openxmlformats.org/markup-compatibility/2006" xmlns:a14="http://schemas.microsoft.com/office/drawing/2010/main">
+        <mc:Choice Requires="a14">
+          <p:sp>
+            <p:nvSpPr>
+              <p:cNvPr id="5" name="Text Box 4"/>
+              <p:cNvSpPr txBox="1"/>
+              <p:nvPr/>
+            </p:nvSpPr>
+            <p:spPr>
+              <a:xfrm>
+                <a:off x="268787" y="4778305"/>
+                <a:ext cx="3898265" cy="424180"/>
+              </a:xfrm>
+              <a:prstGeom prst="rect">
+                <a:avLst/>
+              </a:prstGeom>
+              <a:noFill/>
+            </p:spPr>
+            <p:txBody>
+              <a:bodyPr wrap="none" rtlCol="0" anchor="t">
+                <a:spAutoFit/>
+              </a:bodyPr>
+              <a:lstStyle/>
+              <a:p>
+                <a:pPr algn="l"/>
+                <a14:m>
+                  <m:oMathPara xmlns:m="http://schemas.openxmlformats.org/officeDocument/2006/math">
+                    <m:oMathParaPr>
+                      <m:jc m:val="centerGroup"/>
+                    </m:oMathParaPr>
+                    <m:oMath xmlns:m="http://schemas.openxmlformats.org/officeDocument/2006/math">
+                      <m:r>
+                        <a:rPr lang="en-US" i="1">
+                          <a:latin typeface="Cambria Math" panose="02040503050406030204" pitchFamily="18" charset="0"/>
+                          <a:cs typeface="DejaVu Math TeX Gyre" panose="02000503000000000000" charset="0"/>
+                        </a:rPr>
+                        <m:t>图为声压</m:t>
+                      </m:r>
+                      <m:r>
+                        <a:rPr lang="en-US" i="1">
+                          <a:latin typeface="Cambria Math" panose="02040503050406030204" pitchFamily="18" charset="0"/>
+                          <a:cs typeface="DejaVu Math TeX Gyre" panose="02000503000000000000" charset="0"/>
+                        </a:rPr>
+                        <m:t>𝑃</m:t>
+                      </m:r>
+                      <m:r>
+                        <a:rPr lang="en-US" i="1">
+                          <a:latin typeface="Cambria Math" panose="02040503050406030204" pitchFamily="18" charset="0"/>
+                          <a:cs typeface="DejaVu Math TeX Gyre" panose="02000503000000000000" charset="0"/>
+                        </a:rPr>
+                        <m:t>,</m:t>
+                      </m:r>
+                      <m:r>
+                        <a:rPr lang="en-US" i="1">
+                          <a:latin typeface="Cambria Math" panose="02040503050406030204" pitchFamily="18" charset="0"/>
+                          <a:cs typeface="DejaVu Math TeX Gyre" panose="02000503000000000000" charset="0"/>
+                        </a:rPr>
+                        <m:t>进行了变换：</m:t>
+                      </m:r>
+                      <m:acc>
+                        <m:accPr>
+                          <m:chr m:val="̃"/>
+                          <m:ctrlPr>
+                            <a:rPr lang="en-US" i="1">
+                              <a:latin typeface="Cambria Math" panose="02040503050406030204" pitchFamily="18" charset="0"/>
+                              <a:cs typeface="DejaVu Math TeX Gyre" panose="02000503000000000000" charset="0"/>
+                            </a:rPr>
+                          </m:ctrlPr>
+                        </m:accPr>
+                        <m:e>
+                          <m:r>
+                            <a:rPr lang="en-US" i="1">
+                              <a:latin typeface="Cambria Math" panose="02040503050406030204" pitchFamily="18" charset="0"/>
+                              <a:cs typeface="DejaVu Math TeX Gyre" panose="02000503000000000000" charset="0"/>
+                            </a:rPr>
+                            <m:t>𝑃</m:t>
+                          </m:r>
+                        </m:e>
+                      </m:acc>
+                      <m:r>
+                        <a:rPr lang="en-US" i="1">
+                          <a:latin typeface="Cambria Math" panose="02040503050406030204" pitchFamily="18" charset="0"/>
+                          <a:cs typeface="DejaVu Math TeX Gyre" panose="02000503000000000000" charset="0"/>
+                        </a:rPr>
+                        <m:t>=</m:t>
+                      </m:r>
+                      <m:f>
+                        <m:fPr>
+                          <m:type m:val="lin"/>
+                          <m:ctrlPr>
+                            <a:rPr lang="en-US" i="1">
+                              <a:latin typeface="Cambria Math" panose="02040503050406030204" pitchFamily="18" charset="0"/>
+                              <a:cs typeface="DejaVu Math TeX Gyre" panose="02000503000000000000" charset="0"/>
+                            </a:rPr>
+                          </m:ctrlPr>
+                        </m:fPr>
+                        <m:num>
+                          <m:r>
+                            <a:rPr lang="en-US" i="1">
+                              <a:latin typeface="Cambria Math" panose="02040503050406030204" pitchFamily="18" charset="0"/>
+                              <a:cs typeface="DejaVu Math TeX Gyre" panose="02000503000000000000" charset="0"/>
+                            </a:rPr>
+                            <m:t>𝑃</m:t>
+                          </m:r>
+                        </m:num>
+                        <m:den>
+                          <m:rad>
+                            <m:radPr>
+                              <m:degHide m:val="on"/>
+                              <m:ctrlPr>
+                                <a:rPr lang="en-US" i="1">
+                                  <a:latin typeface="Cambria Math" panose="02040503050406030204" pitchFamily="18" charset="0"/>
+                                  <a:cs typeface="DejaVu Math TeX Gyre" panose="02000503000000000000" charset="0"/>
+                                </a:rPr>
+                              </m:ctrlPr>
+                            </m:radPr>
+                            <m:deg/>
+                            <m:e>
+                              <m:r>
+                                <a:rPr lang="en-US" i="1">
+                                  <a:latin typeface="Cambria Math" panose="02040503050406030204" pitchFamily="18" charset="0"/>
+                                  <a:cs typeface="DejaVu Math TeX Gyre" panose="02000503000000000000" charset="0"/>
+                                </a:rPr>
+                                <m:t>𝑟</m:t>
+                              </m:r>
+                            </m:e>
+                          </m:rad>
+                        </m:den>
+                      </m:f>
+                    </m:oMath>
+                  </m:oMathPara>
+                </a14:m>
+                <a:endParaRPr lang="en-US" dirty="0"/>
+              </a:p>
+            </p:txBody>
+          </p:sp>
+        </mc:Choice>
+        <mc:Fallback xmlns="">
+          <p:sp>
+            <p:nvSpPr>
+              <p:cNvPr id="5" name="Text Box 4"/>
+              <p:cNvSpPr txBox="1">
+                <a:spLocks noRot="1" noChangeAspect="1" noMove="1" noResize="1" noEditPoints="1" noAdjustHandles="1" noChangeArrowheads="1" noChangeShapeType="1" noTextEdit="1"/>
+              </p:cNvSpPr>
+              <p:nvPr/>
+            </p:nvSpPr>
+            <p:spPr>
+              <a:xfrm>
+                <a:off x="268787" y="4778305"/>
+                <a:ext cx="3898265" cy="424180"/>
+              </a:xfrm>
+              <a:prstGeom prst="rect">
+                <a:avLst/>
+              </a:prstGeom>
+              <a:blipFill>
+                <a:blip r:embed="rId5"/>
+                <a:stretch>
+                  <a:fillRect t="-100000" r="-6875" b="-146377"/>
+                </a:stretch>
+              </a:blipFill>
+            </p:spPr>
+            <p:txBody>
+              <a:bodyPr/>
+              <a:lstStyle/>
+              <a:p>
+                <a:r>
+                  <a:rPr lang="zh-CN" altLang="en-US">
+                    <a:noFill/>
+                  </a:rPr>
+                  <a:t> </a:t>
+                </a:r>
+              </a:p>
+            </p:txBody>
+          </p:sp>
+        </mc:Fallback>
+      </mc:AlternateContent>
+      <p:sp>
+        <p:nvSpPr>
+          <p:cNvPr id="6" name="Text Box 5"/>
+          <p:cNvSpPr txBox="1"/>
+          <p:nvPr/>
+        </p:nvSpPr>
+        <p:spPr>
+          <a:xfrm>
+            <a:off x="383540" y="5043745"/>
+            <a:ext cx="4098925" cy="1200329"/>
+          </a:xfrm>
+          <a:prstGeom prst="rect">
+            <a:avLst/>
+          </a:prstGeom>
+          <a:noFill/>
+        </p:spPr>
+        <p:txBody>
+          <a:bodyPr wrap="square" rtlCol="0">
             <a:spAutoFit/>
           </a:bodyPr>
           <a:lstStyle/>
           <a:p>
-            <a:pPr algn="ctr"/>
-            <a:r>
-              <a:rPr lang="zh-CN" altLang="en-US" sz="2400" b="1" dirty="0">
+            <a:endParaRPr lang="zh-CN" altLang="en-US" dirty="0"/>
+          </a:p>
+          <a:p>
+            <a:r>
+              <a:rPr lang="en-US" altLang="zh-CN" dirty="0"/>
+              <a:t>RAM</a:t>
+            </a:r>
+            <a:r>
+              <a:rPr lang="zh-CN" altLang="en-US" dirty="0"/>
+              <a:t>程序包自带算例，仅进行了上面处理。</a:t>
+            </a:r>
+            <a:endParaRPr lang="en-US" altLang="zh-CN" dirty="0"/>
+          </a:p>
+          <a:p>
+            <a:r>
+              <a:rPr lang="zh-CN" altLang="en-US" dirty="0"/>
+              <a:t>密度恒定，衰减系数</a:t>
+            </a:r>
+            <a:r>
+              <a:rPr lang="en-US" altLang="zh-CN" dirty="0"/>
+              <a:t>0</a:t>
+            </a:r>
+            <a:r>
+              <a:rPr lang="zh-CN" altLang="en-US" dirty="0"/>
+              <a:t>。</a:t>
+            </a:r>
+          </a:p>
+        </p:txBody>
+      </p:sp>
+      <p:sp>
+        <p:nvSpPr>
+          <p:cNvPr id="13" name="Content Placeholder 12"/>
+          <p:cNvSpPr>
+            <a:spLocks noGrp="1"/>
+          </p:cNvSpPr>
+          <p:nvPr>
+            <p:ph sz="half" idx="2"/>
+          </p:nvPr>
+        </p:nvSpPr>
+        <p:spPr>
+          <a:xfrm>
+            <a:off x="4771370" y="4584094"/>
+            <a:ext cx="6192559" cy="2119630"/>
+          </a:xfrm>
+          <a:ln w="28575">
+            <a:solidFill>
+              <a:schemeClr val="tx1">
+                <a:lumMod val="95000"/>
+                <a:lumOff val="5000"/>
+              </a:schemeClr>
+            </a:solidFill>
+          </a:ln>
+        </p:spPr>
+        <p:txBody>
+          <a:bodyPr/>
+          <a:lstStyle/>
+          <a:p>
+            <a:pPr marL="0" marR="0" indent="0" algn="l" defTabSz="914400" rtl="0" eaLnBrk="1" fontAlgn="auto" latinLnBrk="0" hangingPunct="1">
+              <a:lnSpc>
+                <a:spcPct val="100000"/>
+              </a:lnSpc>
+              <a:spcBef>
+                <a:spcPts val="1000"/>
+              </a:spcBef>
+              <a:spcAft>
+                <a:spcPct val="0"/>
+              </a:spcAft>
+              <a:buClrTx/>
+              <a:buSzTx/>
+              <a:buFont typeface="Arial" panose="02080604020202020204" pitchFamily="34" charset="0"/>
+              <a:buNone/>
+            </a:pPr>
+            <a:r>
+              <a:rPr kumimoji="0" lang="zh-CN" altLang="en-US" sz="1800" b="0" i="0" u="none" strike="noStrike" kern="1200" cap="none" spc="0" normalizeH="0" baseline="0" noProof="1">
                 <a:solidFill>
                   <a:schemeClr val="tx1"/>
                 </a:solidFill>
+                <a:latin typeface="+mn-lt"/>
+                <a:ea typeface="+mn-ea"/>
+                <a:cs typeface="+mn-cs"/>
+                <a:sym typeface="+mn-ea"/>
               </a:rPr>
-              <a:t>提取物理规律</a:t>
-            </a:r>
-          </a:p>
-        </p:txBody>
-      </p:sp>
-      <p:sp>
-        <p:nvSpPr>
-          <p:cNvPr id="4" name="灯片编号占位符 3">
+              <a:t>分为两个数据集：</a:t>
+            </a:r>
+          </a:p>
+          <a:p>
+            <a:pPr marR="0" algn="l" defTabSz="914400" rtl="0" eaLnBrk="1" fontAlgn="auto" latinLnBrk="0" hangingPunct="1">
+              <a:lnSpc>
+                <a:spcPct val="100000"/>
+              </a:lnSpc>
+              <a:spcBef>
+                <a:spcPts val="1000"/>
+              </a:spcBef>
+              <a:spcAft>
+                <a:spcPct val="0"/>
+              </a:spcAft>
+              <a:buClrTx/>
+              <a:buSzTx/>
+              <a:buFont typeface="Wingdings" panose="05000000000000000000" charset="0"/>
+              <a:buChar char=""/>
+            </a:pPr>
+            <a:r>
+              <a:rPr kumimoji="0" lang="zh-CN" altLang="en-US" sz="1800" b="0" i="0" u="none" strike="noStrike" kern="1200" cap="none" spc="0" normalizeH="0" baseline="0" noProof="1">
+                <a:solidFill>
+                  <a:schemeClr val="tx1"/>
+                </a:solidFill>
+                <a:latin typeface="+mn-lt"/>
+                <a:ea typeface="+mn-ea"/>
+                <a:cs typeface="+mn-cs"/>
+                <a:sym typeface="+mn-ea"/>
+              </a:rPr>
+              <a:t>声压实数部分：</a:t>
+            </a:r>
+            <a:r>
+              <a:rPr kumimoji="0" lang="en-US" altLang="zh-CN" sz="1800" b="0" i="0" u="none" strike="noStrike" kern="1200" cap="none" spc="0" normalizeH="0" baseline="0" noProof="1">
+                <a:solidFill>
+                  <a:schemeClr val="tx1"/>
+                </a:solidFill>
+                <a:latin typeface="+mn-lt"/>
+                <a:ea typeface="+mn-ea"/>
+                <a:cs typeface="+mn-cs"/>
+                <a:sym typeface="+mn-ea"/>
+              </a:rPr>
+              <a:t>Real-Pre</a:t>
+            </a:r>
+          </a:p>
+          <a:p>
+            <a:pPr marR="0" algn="l" defTabSz="914400" rtl="0" eaLnBrk="1" fontAlgn="auto" latinLnBrk="0" hangingPunct="1">
+              <a:lnSpc>
+                <a:spcPct val="100000"/>
+              </a:lnSpc>
+              <a:spcBef>
+                <a:spcPts val="1000"/>
+              </a:spcBef>
+              <a:spcAft>
+                <a:spcPct val="0"/>
+              </a:spcAft>
+              <a:buClrTx/>
+              <a:buSzTx/>
+              <a:buFont typeface="Wingdings" panose="05000000000000000000" charset="0"/>
+              <a:buChar char=""/>
+            </a:pPr>
+            <a:r>
+              <a:rPr kumimoji="0" lang="zh-CN" altLang="en-US" sz="1800" b="0" i="0" u="none" strike="noStrike" kern="1200" cap="none" spc="0" normalizeH="0" baseline="0" noProof="1">
+                <a:solidFill>
+                  <a:schemeClr val="tx1"/>
+                </a:solidFill>
+                <a:latin typeface="+mn-lt"/>
+                <a:ea typeface="+mn-ea"/>
+                <a:cs typeface="+mn-cs"/>
+                <a:sym typeface="+mn-ea"/>
+              </a:rPr>
+              <a:t>声压虚数部分：</a:t>
+            </a:r>
+            <a:r>
+              <a:rPr kumimoji="0" lang="en-US" altLang="zh-CN" sz="1800" b="0" i="0" u="none" strike="noStrike" kern="1200" cap="none" spc="0" normalizeH="0" baseline="0" noProof="1">
+                <a:solidFill>
+                  <a:schemeClr val="tx1"/>
+                </a:solidFill>
+                <a:latin typeface="+mn-lt"/>
+                <a:ea typeface="+mn-ea"/>
+                <a:cs typeface="+mn-cs"/>
+                <a:sym typeface="+mn-ea"/>
+              </a:rPr>
+              <a:t>Image-Pre</a:t>
+            </a:r>
+          </a:p>
+          <a:p>
+            <a:pPr marL="0" marR="0" indent="0" algn="l" defTabSz="914400" rtl="0" eaLnBrk="1" fontAlgn="auto" latinLnBrk="0" hangingPunct="1">
+              <a:lnSpc>
+                <a:spcPct val="100000"/>
+              </a:lnSpc>
+              <a:spcBef>
+                <a:spcPts val="1000"/>
+              </a:spcBef>
+              <a:spcAft>
+                <a:spcPct val="0"/>
+              </a:spcAft>
+              <a:buClrTx/>
+              <a:buSzTx/>
+              <a:buFont typeface="Wingdings" panose="05000000000000000000" charset="0"/>
+              <a:buNone/>
+            </a:pPr>
+            <a:r>
+              <a:rPr kumimoji="0" lang="zh-CN" altLang="en-US" sz="1800" b="0" i="0" u="none" strike="noStrike" kern="1200" cap="none" spc="0" normalizeH="0" baseline="0" noProof="1">
+                <a:solidFill>
+                  <a:schemeClr val="tx1"/>
+                </a:solidFill>
+                <a:latin typeface="+mn-lt"/>
+                <a:ea typeface="+mn-ea"/>
+                <a:cs typeface="+mn-cs"/>
+                <a:sym typeface="+mn-ea"/>
+              </a:rPr>
+              <a:t>对于距离</a:t>
+            </a:r>
+            <a:r>
+              <a:rPr kumimoji="0" lang="en-US" altLang="zh-CN" sz="1800" b="0" i="0" u="none" strike="noStrike" kern="1200" cap="none" spc="0" normalizeH="0" baseline="0" noProof="1">
+                <a:solidFill>
+                  <a:schemeClr val="tx1"/>
+                </a:solidFill>
+                <a:latin typeface="+mn-lt"/>
+                <a:ea typeface="+mn-ea"/>
+                <a:cs typeface="+mn-cs"/>
+                <a:sym typeface="+mn-ea"/>
+              </a:rPr>
+              <a:t>R</a:t>
+            </a:r>
+            <a:r>
+              <a:rPr kumimoji="0" lang="zh-CN" altLang="en-US" sz="1800" b="0" i="0" u="none" strike="noStrike" kern="1200" cap="none" spc="0" normalizeH="0" baseline="0" noProof="1">
+                <a:solidFill>
+                  <a:schemeClr val="tx1"/>
+                </a:solidFill>
+                <a:latin typeface="+mn-lt"/>
+                <a:ea typeface="+mn-ea"/>
+                <a:cs typeface="+mn-cs"/>
+                <a:sym typeface="+mn-ea"/>
+              </a:rPr>
+              <a:t>、深度</a:t>
+            </a:r>
+            <a:r>
+              <a:rPr kumimoji="0" lang="en-US" altLang="zh-CN" sz="1800" b="0" i="0" u="none" strike="noStrike" kern="1200" cap="none" spc="0" normalizeH="0" baseline="0" noProof="1">
+                <a:solidFill>
+                  <a:schemeClr val="tx1"/>
+                </a:solidFill>
+                <a:latin typeface="+mn-lt"/>
+                <a:ea typeface="+mn-ea"/>
+                <a:cs typeface="+mn-cs"/>
+                <a:sym typeface="+mn-ea"/>
+              </a:rPr>
+              <a:t>Z</a:t>
+            </a:r>
+            <a:r>
+              <a:rPr kumimoji="0" lang="zh-CN" altLang="en-US" sz="1800" b="0" i="0" u="none" strike="noStrike" kern="1200" cap="none" spc="0" normalizeH="0" baseline="0" noProof="1">
+                <a:solidFill>
+                  <a:schemeClr val="tx1"/>
+                </a:solidFill>
+                <a:latin typeface="+mn-lt"/>
+                <a:ea typeface="+mn-ea"/>
+                <a:cs typeface="+mn-cs"/>
+                <a:sym typeface="+mn-ea"/>
+              </a:rPr>
+              <a:t>、声速</a:t>
+            </a:r>
+            <a:r>
+              <a:rPr kumimoji="0" lang="en-US" altLang="zh-CN" sz="1800" b="0" i="0" u="none" strike="noStrike" kern="1200" cap="none" spc="0" normalizeH="0" baseline="0" noProof="1">
+                <a:solidFill>
+                  <a:schemeClr val="tx1"/>
+                </a:solidFill>
+                <a:latin typeface="+mn-lt"/>
+                <a:ea typeface="+mn-ea"/>
+                <a:cs typeface="+mn-cs"/>
+                <a:sym typeface="+mn-ea"/>
+              </a:rPr>
+              <a:t>C</a:t>
+            </a:r>
+            <a:r>
+              <a:rPr kumimoji="0" lang="zh-CN" altLang="en-US" sz="1800" b="0" i="0" u="none" strike="noStrike" kern="1200" cap="none" spc="0" normalizeH="0" baseline="0" noProof="1">
+                <a:solidFill>
+                  <a:schemeClr val="tx1"/>
+                </a:solidFill>
+                <a:latin typeface="+mn-lt"/>
+                <a:ea typeface="+mn-ea"/>
+                <a:cs typeface="+mn-cs"/>
+                <a:sym typeface="+mn-ea"/>
+              </a:rPr>
+              <a:t>的三维变量数据集如上图所示。</a:t>
+            </a:r>
+          </a:p>
+          <a:p>
+            <a:pPr marL="0" marR="0" indent="0" algn="l" defTabSz="914400" rtl="0" eaLnBrk="1" fontAlgn="auto" latinLnBrk="0" hangingPunct="1">
+              <a:lnSpc>
+                <a:spcPct val="100000"/>
+              </a:lnSpc>
+              <a:spcBef>
+                <a:spcPts val="1000"/>
+              </a:spcBef>
+              <a:spcAft>
+                <a:spcPct val="0"/>
+              </a:spcAft>
+              <a:buClrTx/>
+              <a:buSzTx/>
+              <a:buFont typeface="Wingdings" panose="05000000000000000000" charset="0"/>
+              <a:buNone/>
+            </a:pPr>
+            <a:r>
+              <a:rPr kumimoji="0" lang="zh-CN" altLang="en-US" sz="1800" b="0" i="0" u="none" strike="noStrike" kern="1200" cap="none" spc="0" normalizeH="0" baseline="0" noProof="1">
+                <a:solidFill>
+                  <a:schemeClr val="tx1"/>
+                </a:solidFill>
+                <a:latin typeface="+mn-lt"/>
+                <a:ea typeface="+mn-ea"/>
+                <a:cs typeface="+mn-cs"/>
+                <a:sym typeface="+mn-ea"/>
+              </a:rPr>
+              <a:t>数据集是一个（</a:t>
+            </a:r>
+            <a:r>
+              <a:rPr kumimoji="0" lang="en-US" altLang="zh-CN" sz="1800" b="0" i="0" u="none" strike="noStrike" kern="1200" cap="none" spc="0" normalizeH="0" baseline="0" noProof="1">
+                <a:solidFill>
+                  <a:schemeClr val="tx1"/>
+                </a:solidFill>
+                <a:latin typeface="+mn-lt"/>
+                <a:ea typeface="+mn-ea"/>
+                <a:cs typeface="+mn-cs"/>
+                <a:sym typeface="+mn-ea"/>
+              </a:rPr>
+              <a:t>R</a:t>
+            </a:r>
+            <a:r>
+              <a:rPr kumimoji="0" lang="zh-CN" altLang="en-US" sz="1800" b="0" i="0" u="none" strike="noStrike" kern="1200" cap="none" spc="0" normalizeH="0" baseline="0" noProof="1">
+                <a:solidFill>
+                  <a:schemeClr val="tx1"/>
+                </a:solidFill>
+                <a:latin typeface="+mn-lt"/>
+                <a:ea typeface="+mn-ea"/>
+                <a:cs typeface="+mn-cs"/>
+                <a:sym typeface="+mn-ea"/>
+              </a:rPr>
+              <a:t>，</a:t>
+            </a:r>
+            <a:r>
+              <a:rPr kumimoji="0" lang="en-US" altLang="zh-CN" sz="1800" b="0" i="0" u="none" strike="noStrike" kern="1200" cap="none" spc="0" normalizeH="0" baseline="0" noProof="1">
+                <a:solidFill>
+                  <a:schemeClr val="tx1"/>
+                </a:solidFill>
+                <a:latin typeface="+mn-lt"/>
+                <a:ea typeface="+mn-ea"/>
+                <a:cs typeface="+mn-cs"/>
+                <a:sym typeface="+mn-ea"/>
+              </a:rPr>
+              <a:t>Z</a:t>
+            </a:r>
+            <a:r>
+              <a:rPr kumimoji="0" lang="zh-CN" altLang="en-US" sz="1800" b="0" i="0" u="none" strike="noStrike" kern="1200" cap="none" spc="0" normalizeH="0" baseline="0" noProof="1">
+                <a:solidFill>
+                  <a:schemeClr val="tx1"/>
+                </a:solidFill>
+                <a:latin typeface="+mn-lt"/>
+                <a:ea typeface="+mn-ea"/>
+                <a:cs typeface="+mn-cs"/>
+                <a:sym typeface="+mn-ea"/>
+              </a:rPr>
+              <a:t>，</a:t>
+            </a:r>
+            <a:r>
+              <a:rPr kumimoji="0" lang="en-US" altLang="zh-CN" sz="1800" b="0" i="0" u="none" strike="noStrike" kern="1200" cap="none" spc="0" normalizeH="0" baseline="0" noProof="1">
+                <a:solidFill>
+                  <a:schemeClr val="tx1"/>
+                </a:solidFill>
+                <a:latin typeface="+mn-lt"/>
+                <a:ea typeface="+mn-ea"/>
+                <a:cs typeface="+mn-cs"/>
+                <a:sym typeface="+mn-ea"/>
+              </a:rPr>
+              <a:t>C</a:t>
+            </a:r>
+            <a:r>
+              <a:rPr kumimoji="0" lang="zh-CN" altLang="en-US" sz="1800" b="0" i="0" u="none" strike="noStrike" kern="1200" cap="none" spc="0" normalizeH="0" baseline="0" noProof="1">
+                <a:solidFill>
+                  <a:schemeClr val="tx1"/>
+                </a:solidFill>
+                <a:latin typeface="+mn-lt"/>
+                <a:ea typeface="+mn-ea"/>
+                <a:cs typeface="+mn-cs"/>
+                <a:sym typeface="+mn-ea"/>
+              </a:rPr>
+              <a:t>）和复数声压值的映射关系。</a:t>
+            </a:r>
+          </a:p>
+        </p:txBody>
+      </p:sp>
+      <p:sp>
+        <p:nvSpPr>
+          <p:cNvPr id="7" name="灯片编号占位符 6">
             <a:extLst>
               <a:ext uri="{FF2B5EF4-FFF2-40B4-BE49-F238E27FC236}">
-                <a16:creationId xmlns:a16="http://schemas.microsoft.com/office/drawing/2014/main" id="{36977492-A6DB-47E3-9BA6-24F8F9FA8D1A}"/>
+                <a16:creationId xmlns:a16="http://schemas.microsoft.com/office/drawing/2014/main" id="{E0EF8F0B-3633-472D-8AA5-B0809B9E2778}"/>
               </a:ext>
             </a:extLst>
           </p:cNvPr>
@@ -6984,6 +7731,93 @@
               <a:t>10</a:t>
             </a:fld>
             <a:endParaRPr lang="en-GB"/>
+          </a:p>
+        </p:txBody>
+      </p:sp>
+      <p:sp>
+        <p:nvSpPr>
+          <p:cNvPr id="4" name="箭头: 右 3">
+            <a:extLst>
+              <a:ext uri="{FF2B5EF4-FFF2-40B4-BE49-F238E27FC236}">
+                <a16:creationId xmlns:a16="http://schemas.microsoft.com/office/drawing/2014/main" id="{0CA91475-99EF-47AF-A6E0-7DD40A6A1D9B}"/>
+              </a:ext>
+            </a:extLst>
+          </p:cNvPr>
+          <p:cNvSpPr/>
+          <p:nvPr/>
+        </p:nvSpPr>
+        <p:spPr bwMode="auto">
+          <a:xfrm>
+            <a:off x="383540" y="4216292"/>
+            <a:ext cx="10314052" cy="251460"/>
+          </a:xfrm>
+          <a:prstGeom prst="rightArrow">
+            <a:avLst/>
+          </a:prstGeom>
+          <a:gradFill flip="none" rotWithShape="1">
+            <a:gsLst>
+              <a:gs pos="0">
+                <a:srgbClr val="B2B2B2">
+                  <a:shade val="30000"/>
+                  <a:satMod val="115000"/>
+                </a:srgbClr>
+              </a:gs>
+              <a:gs pos="50000">
+                <a:srgbClr val="B2B2B2">
+                  <a:shade val="67500"/>
+                  <a:satMod val="115000"/>
+                </a:srgbClr>
+              </a:gs>
+              <a:gs pos="100000">
+                <a:srgbClr val="B2B2B2">
+                  <a:shade val="100000"/>
+                  <a:satMod val="115000"/>
+                </a:srgbClr>
+              </a:gs>
+            </a:gsLst>
+            <a:lin ang="0" scaled="1"/>
+            <a:tileRect/>
+          </a:gradFill>
+          <a:ln w="9525" cap="flat" cmpd="sng" algn="ctr">
+            <a:solidFill>
+              <a:schemeClr val="accent1"/>
+            </a:solidFill>
+            <a:prstDash val="solid"/>
+            <a:round/>
+            <a:headEnd type="none" w="med" len="med"/>
+            <a:tailEnd type="none" w="med" len="med"/>
+          </a:ln>
+        </p:spPr>
+        <p:txBody>
+          <a:bodyPr vert="horz" wrap="none" lIns="91440" tIns="45720" rIns="91440" bIns="45720" numCol="1" rtlCol="0" anchor="ctr" anchorCtr="0" compatLnSpc="1"/>
+          <a:lstStyle/>
+          <a:p>
+            <a:pPr marL="0" marR="0" indent="0" algn="l" defTabSz="914400" rtl="0" eaLnBrk="1" fontAlgn="base" latinLnBrk="0" hangingPunct="1">
+              <a:lnSpc>
+                <a:spcPct val="100000"/>
+              </a:lnSpc>
+              <a:spcBef>
+                <a:spcPct val="0"/>
+              </a:spcBef>
+              <a:spcAft>
+                <a:spcPct val="0"/>
+              </a:spcAft>
+              <a:buClrTx/>
+              <a:buSzTx/>
+              <a:buFontTx/>
+              <a:buNone/>
+            </a:pPr>
+            <a:endParaRPr kumimoji="0" lang="zh-CN" altLang="en-US" sz="1800" b="0" i="0" u="none" strike="noStrike" cap="none" normalizeH="0" baseline="0">
+              <a:ln>
+                <a:noFill/>
+              </a:ln>
+              <a:solidFill>
+                <a:schemeClr val="tx1"/>
+              </a:solidFill>
+              <a:effectLst/>
+              <a:latin typeface="Arial" panose="02080604020202020204" pitchFamily="34" charset="0"/>
+              <a:ea typeface="宋体" pitchFamily="2" charset="-122"/>
+            </a:endParaRPr>
           </a:p>
         </p:txBody>
       </p:sp>
@@ -7014,10 +7848,10 @@
       </p:grpSpPr>
       <p:sp>
         <p:nvSpPr>
-          <p:cNvPr id="2" name="文本框 1">
+          <p:cNvPr id="3" name="文本框 2">
             <a:extLst>
               <a:ext uri="{FF2B5EF4-FFF2-40B4-BE49-F238E27FC236}">
-                <a16:creationId xmlns:a16="http://schemas.microsoft.com/office/drawing/2014/main" id="{880FF12F-1908-47C8-A56C-10C306D4618D}"/>
+                <a16:creationId xmlns:a16="http://schemas.microsoft.com/office/drawing/2014/main" id="{4BA66400-D649-4160-9BA4-C9C746359D3C}"/>
               </a:ext>
             </a:extLst>
           </p:cNvPr>
@@ -7027,7 +7861,7 @@
         <p:spPr>
           <a:xfrm>
             <a:off x="71020" y="40858"/>
-            <a:ext cx="3044301" cy="461665"/>
+            <a:ext cx="2325951" cy="461665"/>
           </a:xfrm>
           <a:prstGeom prst="rect">
             <a:avLst/>
@@ -7036,13 +7870,13 @@
         </p:spPr>
         <p:style>
           <a:lnRef idx="1">
-            <a:schemeClr val="accent6"/>
+            <a:schemeClr val="accent5"/>
           </a:lnRef>
           <a:fillRef idx="2">
-            <a:schemeClr val="accent6"/>
+            <a:schemeClr val="accent5"/>
           </a:fillRef>
           <a:effectRef idx="1">
-            <a:schemeClr val="accent6"/>
+            <a:schemeClr val="accent5"/>
           </a:effectRef>
           <a:fontRef idx="minor">
             <a:schemeClr val="dk1"/>
@@ -7054,20 +7888,31 @@
           </a:bodyPr>
           <a:lstStyle/>
           <a:p>
-            <a:pPr algn="ctr"/>
-            <a:r>
-              <a:rPr lang="zh-CN" altLang="en-US" sz="2400" b="1" dirty="0"/>
-              <a:t>声场计算函数化</a:t>
-            </a:r>
-          </a:p>
-        </p:txBody>
-      </p:sp>
-      <p:sp>
-        <p:nvSpPr>
-          <p:cNvPr id="3" name="灯片编号占位符 2">
+            <a:r>
+              <a:rPr lang="en-US" altLang="zh-CN" sz="2400" b="1" dirty="0">
+                <a:solidFill>
+                  <a:schemeClr val="tx1"/>
+                </a:solidFill>
+              </a:rPr>
+              <a:t>1.</a:t>
+            </a:r>
+            <a:r>
+              <a:rPr lang="zh-CN" altLang="en-US" sz="2400" b="1" dirty="0">
+                <a:solidFill>
+                  <a:schemeClr val="tx1"/>
+                </a:solidFill>
+              </a:rPr>
+              <a:t>提取物理规律</a:t>
+            </a:r>
+          </a:p>
+        </p:txBody>
+      </p:sp>
+      <p:sp>
+        <p:nvSpPr>
+          <p:cNvPr id="4" name="灯片编号占位符 3">
             <a:extLst>
               <a:ext uri="{FF2B5EF4-FFF2-40B4-BE49-F238E27FC236}">
-                <a16:creationId xmlns:a16="http://schemas.microsoft.com/office/drawing/2014/main" id="{A759E09D-4A3B-464A-B444-BC009C97FD2A}"/>
+                <a16:creationId xmlns:a16="http://schemas.microsoft.com/office/drawing/2014/main" id="{36977492-A6DB-47E3-9BA6-24F8F9FA8D1A}"/>
               </a:ext>
             </a:extLst>
           </p:cNvPr>
@@ -7097,6 +7942,482 @@
               <a:t>11</a:t>
             </a:fld>
             <a:endParaRPr lang="en-GB"/>
+          </a:p>
+        </p:txBody>
+      </p:sp>
+      <mc:AlternateContent xmlns:mc="http://schemas.openxmlformats.org/markup-compatibility/2006" xmlns:a14="http://schemas.microsoft.com/office/drawing/2010/main">
+        <mc:Choice Requires="a14">
+          <p:sp>
+            <p:nvSpPr>
+              <p:cNvPr id="5" name="Text Box 2">
+                <a:extLst>
+                  <a:ext uri="{FF2B5EF4-FFF2-40B4-BE49-F238E27FC236}">
+                    <a16:creationId xmlns:a16="http://schemas.microsoft.com/office/drawing/2014/main" id="{432CCBDA-3B4F-4611-848F-CBE112FA8D14}"/>
+                  </a:ext>
+                </a:extLst>
+              </p:cNvPr>
+              <p:cNvSpPr txBox="1"/>
+              <p:nvPr/>
+            </p:nvSpPr>
+            <p:spPr>
+              <a:xfrm>
+                <a:off x="1571347" y="808534"/>
+                <a:ext cx="3612336" cy="490840"/>
+              </a:xfrm>
+              <a:prstGeom prst="rect">
+                <a:avLst/>
+              </a:prstGeom>
+              <a:noFill/>
+            </p:spPr>
+            <p:txBody>
+              <a:bodyPr wrap="none" rtlCol="0" anchor="t">
+                <a:spAutoFit/>
+              </a:bodyPr>
+              <a:lstStyle/>
+              <a:p>
+                <a:pPr/>
+                <a14:m>
+                  <m:oMathPara xmlns:m="http://schemas.openxmlformats.org/officeDocument/2006/math">
+                    <m:oMathParaPr>
+                      <m:jc m:val="centerGroup"/>
+                    </m:oMathParaPr>
+                    <m:oMath xmlns:m="http://schemas.openxmlformats.org/officeDocument/2006/math">
+                      <m:sSub>
+                        <m:sSubPr>
+                          <m:ctrlPr>
+                            <a:rPr lang="en-US" sz="2400" i="1" smtClean="0">
+                              <a:latin typeface="Cambria Math" panose="02040503050406030204" pitchFamily="18" charset="0"/>
+                              <a:cs typeface="DejaVu Math TeX Gyre" panose="02000503000000000000" charset="0"/>
+                            </a:rPr>
+                          </m:ctrlPr>
+                        </m:sSubPr>
+                        <m:e>
+                          <m:sSub>
+                            <m:sSubPr>
+                              <m:ctrlPr>
+                                <a:rPr lang="en-US" altLang="zh-CN" sz="2400" i="1" smtClean="0">
+                                  <a:latin typeface="Cambria Math" panose="02040503050406030204" pitchFamily="18" charset="0"/>
+                                </a:rPr>
+                              </m:ctrlPr>
+                            </m:sSubPr>
+                            <m:e>
+                              <m:r>
+                                <a:rPr lang="zh-CN" altLang="en-US" sz="2400" i="1" smtClean="0">
+                                  <a:latin typeface="Cambria Math" panose="02040503050406030204" pitchFamily="18" charset="0"/>
+                                </a:rPr>
+                                <m:t>𝜆</m:t>
+                              </m:r>
+                            </m:e>
+                            <m:sub>
+                              <m:r>
+                                <a:rPr lang="en-US" altLang="zh-CN" sz="2400" b="0" i="1" smtClean="0">
+                                  <a:latin typeface="Cambria Math" panose="02040503050406030204" pitchFamily="18" charset="0"/>
+                                </a:rPr>
+                                <m:t>1</m:t>
+                              </m:r>
+                            </m:sub>
+                          </m:sSub>
+                          <m:r>
+                            <a:rPr lang="en-US" sz="2400" i="1">
+                              <a:latin typeface="Cambria Math" panose="02040503050406030204" pitchFamily="18" charset="0"/>
+                              <a:cs typeface="DejaVu Math TeX Gyre" panose="02000503000000000000" charset="0"/>
+                            </a:rPr>
+                            <m:t>𝑝</m:t>
+                          </m:r>
+                        </m:e>
+                        <m:sub>
+                          <m:r>
+                            <a:rPr lang="en-US" sz="2400" i="1">
+                              <a:latin typeface="Cambria Math" panose="02040503050406030204" pitchFamily="18" charset="0"/>
+                              <a:cs typeface="DejaVu Math TeX Gyre" panose="02000503000000000000" charset="0"/>
+                            </a:rPr>
+                            <m:t>𝑥𝑥</m:t>
+                          </m:r>
+                        </m:sub>
+                      </m:sSub>
+                      <m:r>
+                        <a:rPr lang="en-US" sz="2400" i="1">
+                          <a:latin typeface="Cambria Math" panose="02040503050406030204" pitchFamily="18" charset="0"/>
+                          <a:cs typeface="DejaVu Math TeX Gyre" panose="02000503000000000000" charset="0"/>
+                        </a:rPr>
+                        <m:t>+</m:t>
+                      </m:r>
+                      <m:sSub>
+                        <m:sSubPr>
+                          <m:ctrlPr>
+                            <a:rPr lang="en-US" altLang="zh-CN" sz="2400" i="1">
+                              <a:latin typeface="Cambria Math" panose="02040503050406030204" pitchFamily="18" charset="0"/>
+                            </a:rPr>
+                          </m:ctrlPr>
+                        </m:sSubPr>
+                        <m:e>
+                          <m:r>
+                            <a:rPr lang="zh-CN" altLang="en-US" sz="2400" i="1">
+                              <a:latin typeface="Cambria Math" panose="02040503050406030204" pitchFamily="18" charset="0"/>
+                            </a:rPr>
+                            <m:t>𝜆</m:t>
+                          </m:r>
+                        </m:e>
+                        <m:sub>
+                          <m:r>
+                            <a:rPr lang="en-US" altLang="zh-CN" sz="2400" b="0" i="1" smtClean="0">
+                              <a:latin typeface="Cambria Math" panose="02040503050406030204" pitchFamily="18" charset="0"/>
+                            </a:rPr>
+                            <m:t>2</m:t>
+                          </m:r>
+                        </m:sub>
+                      </m:sSub>
+                      <m:sSub>
+                        <m:sSubPr>
+                          <m:ctrlPr>
+                            <a:rPr lang="en-US" sz="2400" i="1">
+                              <a:latin typeface="Cambria Math" panose="02040503050406030204" pitchFamily="18" charset="0"/>
+                              <a:cs typeface="DejaVu Math TeX Gyre" panose="02000503000000000000" charset="0"/>
+                            </a:rPr>
+                          </m:ctrlPr>
+                        </m:sSubPr>
+                        <m:e>
+                          <m:r>
+                            <a:rPr lang="en-US" sz="2400" i="1">
+                              <a:latin typeface="Cambria Math" panose="02040503050406030204" pitchFamily="18" charset="0"/>
+                              <a:cs typeface="DejaVu Math TeX Gyre" panose="02000503000000000000" charset="0"/>
+                            </a:rPr>
+                            <m:t>𝑝</m:t>
+                          </m:r>
+                        </m:e>
+                        <m:sub>
+                          <m:r>
+                            <a:rPr lang="en-US" sz="2400" i="1">
+                              <a:latin typeface="Cambria Math" panose="02040503050406030204" pitchFamily="18" charset="0"/>
+                              <a:cs typeface="DejaVu Math TeX Gyre" panose="02000503000000000000" charset="0"/>
+                            </a:rPr>
+                            <m:t>𝑦𝑦</m:t>
+                          </m:r>
+                        </m:sub>
+                      </m:sSub>
+                      <m:r>
+                        <a:rPr lang="en-US" sz="2400" i="1">
+                          <a:latin typeface="Cambria Math" panose="02040503050406030204" pitchFamily="18" charset="0"/>
+                          <a:cs typeface="DejaVu Math TeX Gyre" panose="02000503000000000000" charset="0"/>
+                        </a:rPr>
+                        <m:t>+</m:t>
+                      </m:r>
+                      <m:sSub>
+                        <m:sSubPr>
+                          <m:ctrlPr>
+                            <a:rPr lang="en-US" altLang="zh-CN" sz="2400" i="1">
+                              <a:latin typeface="Cambria Math" panose="02040503050406030204" pitchFamily="18" charset="0"/>
+                            </a:rPr>
+                          </m:ctrlPr>
+                        </m:sSubPr>
+                        <m:e>
+                          <m:r>
+                            <a:rPr lang="zh-CN" altLang="en-US" sz="2400" i="1">
+                              <a:latin typeface="Cambria Math" panose="02040503050406030204" pitchFamily="18" charset="0"/>
+                            </a:rPr>
+                            <m:t>𝜆</m:t>
+                          </m:r>
+                        </m:e>
+                        <m:sub>
+                          <m:r>
+                            <a:rPr lang="en-US" altLang="zh-CN" sz="2400" b="0" i="1" smtClean="0">
+                              <a:latin typeface="Cambria Math" panose="02040503050406030204" pitchFamily="18" charset="0"/>
+                            </a:rPr>
+                            <m:t>3</m:t>
+                          </m:r>
+                        </m:sub>
+                      </m:sSub>
+                      <m:r>
+                        <a:rPr lang="en-US" sz="2400" i="1">
+                          <a:latin typeface="Cambria Math" panose="02040503050406030204" pitchFamily="18" charset="0"/>
+                          <a:cs typeface="DejaVu Math TeX Gyre" panose="02000503000000000000" charset="0"/>
+                        </a:rPr>
+                        <m:t>𝑝</m:t>
+                      </m:r>
+                      <m:r>
+                        <a:rPr lang="en-US" sz="2400" i="1">
+                          <a:latin typeface="Cambria Math" panose="02040503050406030204" pitchFamily="18" charset="0"/>
+                          <a:cs typeface="DejaVu Math TeX Gyre" panose="02000503000000000000" charset="0"/>
+                        </a:rPr>
+                        <m:t>=0</m:t>
+                      </m:r>
+                    </m:oMath>
+                  </m:oMathPara>
+                </a14:m>
+                <a:endParaRPr lang="en-US" altLang="en-US" sz="2400" i="1" dirty="0">
+                  <a:latin typeface="DejaVu Math TeX Gyre" panose="02000503000000000000" charset="0"/>
+                  <a:cs typeface="DejaVu Math TeX Gyre" panose="02000503000000000000" charset="0"/>
+                </a:endParaRPr>
+              </a:p>
+            </p:txBody>
+          </p:sp>
+        </mc:Choice>
+        <mc:Fallback xmlns="">
+          <p:sp>
+            <p:nvSpPr>
+              <p:cNvPr id="5" name="Text Box 2">
+                <a:extLst>
+                  <a:ext uri="{FF2B5EF4-FFF2-40B4-BE49-F238E27FC236}">
+                    <a16:creationId xmlns:a16="http://schemas.microsoft.com/office/drawing/2014/main" id="{432CCBDA-3B4F-4611-848F-CBE112FA8D14}"/>
+                  </a:ext>
+                </a:extLst>
+              </p:cNvPr>
+              <p:cNvSpPr txBox="1">
+                <a:spLocks noRot="1" noChangeAspect="1" noMove="1" noResize="1" noEditPoints="1" noAdjustHandles="1" noChangeArrowheads="1" noChangeShapeType="1" noTextEdit="1"/>
+              </p:cNvSpPr>
+              <p:nvPr/>
+            </p:nvSpPr>
+            <p:spPr>
+              <a:xfrm>
+                <a:off x="1571347" y="808534"/>
+                <a:ext cx="3612336" cy="490840"/>
+              </a:xfrm>
+              <a:prstGeom prst="rect">
+                <a:avLst/>
+              </a:prstGeom>
+              <a:blipFill>
+                <a:blip r:embed="rId3"/>
+                <a:stretch>
+                  <a:fillRect b="-6250"/>
+                </a:stretch>
+              </a:blipFill>
+            </p:spPr>
+            <p:txBody>
+              <a:bodyPr/>
+              <a:lstStyle/>
+              <a:p>
+                <a:r>
+                  <a:rPr lang="zh-CN" altLang="en-US">
+                    <a:noFill/>
+                  </a:rPr>
+                  <a:t> </a:t>
+                </a:r>
+              </a:p>
+            </p:txBody>
+          </p:sp>
+        </mc:Fallback>
+      </mc:AlternateContent>
+      <p:sp>
+        <p:nvSpPr>
+          <p:cNvPr id="6" name="Text Box 3">
+            <a:extLst>
+              <a:ext uri="{FF2B5EF4-FFF2-40B4-BE49-F238E27FC236}">
+                <a16:creationId xmlns:a16="http://schemas.microsoft.com/office/drawing/2014/main" id="{BA007424-F465-4556-B289-7FE8F9684A57}"/>
+              </a:ext>
+            </a:extLst>
+          </p:cNvPr>
+          <p:cNvSpPr txBox="1"/>
+          <p:nvPr/>
+        </p:nvSpPr>
+        <p:spPr>
+          <a:xfrm>
+            <a:off x="187838" y="808534"/>
+            <a:ext cx="3180715" cy="460375"/>
+          </a:xfrm>
+          <a:prstGeom prst="rect">
+            <a:avLst/>
+          </a:prstGeom>
+          <a:noFill/>
+        </p:spPr>
+        <p:txBody>
+          <a:bodyPr wrap="square" rtlCol="0">
+            <a:spAutoFit/>
+          </a:bodyPr>
+          <a:lstStyle/>
+          <a:p>
+            <a:r>
+              <a:rPr lang="zh-CN" altLang="en-US" sz="2400" dirty="0"/>
+              <a:t>控制方程：</a:t>
+            </a:r>
+          </a:p>
+        </p:txBody>
+      </p:sp>
+      <p:pic>
+        <p:nvPicPr>
+          <p:cNvPr id="7" name="Picture 18">
+            <a:extLst>
+              <a:ext uri="{FF2B5EF4-FFF2-40B4-BE49-F238E27FC236}">
+                <a16:creationId xmlns:a16="http://schemas.microsoft.com/office/drawing/2014/main" id="{3C32E5F0-EF04-4B0A-8D9B-A497996E9C76}"/>
+              </a:ext>
+            </a:extLst>
+          </p:cNvPr>
+          <p:cNvPicPr>
+            <a:picLocks noChangeAspect="1"/>
+          </p:cNvPicPr>
+          <p:nvPr/>
+        </p:nvPicPr>
+        <p:blipFill>
+          <a:blip r:embed="rId4"/>
+          <a:stretch>
+            <a:fillRect/>
+          </a:stretch>
+        </p:blipFill>
+        <p:spPr>
+          <a:xfrm>
+            <a:off x="6645004" y="808534"/>
+            <a:ext cx="3913505" cy="2935605"/>
+          </a:xfrm>
+          <a:prstGeom prst="rect">
+            <a:avLst/>
+          </a:prstGeom>
+        </p:spPr>
+      </p:pic>
+      <p:sp>
+        <p:nvSpPr>
+          <p:cNvPr id="2" name="箭头: 下 1">
+            <a:extLst>
+              <a:ext uri="{FF2B5EF4-FFF2-40B4-BE49-F238E27FC236}">
+                <a16:creationId xmlns:a16="http://schemas.microsoft.com/office/drawing/2014/main" id="{5272D34D-85CB-4310-A331-32109BF3D5EA}"/>
+              </a:ext>
+            </a:extLst>
+          </p:cNvPr>
+          <p:cNvSpPr/>
+          <p:nvPr/>
+        </p:nvSpPr>
+        <p:spPr bwMode="auto">
+          <a:xfrm>
+            <a:off x="5588393" y="879555"/>
+            <a:ext cx="574089" cy="5409089"/>
+          </a:xfrm>
+          <a:prstGeom prst="downArrow">
+            <a:avLst/>
+          </a:prstGeom>
+          <a:gradFill flip="none" rotWithShape="1">
+            <a:gsLst>
+              <a:gs pos="0">
+                <a:schemeClr val="accent4">
+                  <a:lumMod val="95000"/>
+                  <a:lumOff val="5000"/>
+                  <a:tint val="66000"/>
+                  <a:satMod val="160000"/>
+                </a:schemeClr>
+              </a:gs>
+              <a:gs pos="50000">
+                <a:schemeClr val="accent4">
+                  <a:lumMod val="95000"/>
+                  <a:lumOff val="5000"/>
+                  <a:tint val="44500"/>
+                  <a:satMod val="160000"/>
+                </a:schemeClr>
+              </a:gs>
+              <a:gs pos="100000">
+                <a:schemeClr val="accent4">
+                  <a:lumMod val="95000"/>
+                  <a:lumOff val="5000"/>
+                  <a:tint val="23500"/>
+                  <a:satMod val="160000"/>
+                </a:schemeClr>
+              </a:gs>
+            </a:gsLst>
+            <a:lin ang="5400000" scaled="1"/>
+            <a:tileRect/>
+          </a:gradFill>
+          <a:ln w="9525" cap="flat" cmpd="sng" algn="ctr">
+            <a:solidFill>
+              <a:schemeClr val="accent1"/>
+            </a:solidFill>
+            <a:prstDash val="solid"/>
+            <a:round/>
+            <a:headEnd type="none" w="med" len="med"/>
+            <a:tailEnd type="none" w="med" len="med"/>
+          </a:ln>
+        </p:spPr>
+        <p:txBody>
+          <a:bodyPr vert="horz" wrap="none" lIns="91440" tIns="45720" rIns="91440" bIns="45720" numCol="1" rtlCol="0" anchor="ctr" anchorCtr="0" compatLnSpc="1"/>
+          <a:lstStyle/>
+          <a:p>
+            <a:pPr marL="0" marR="0" indent="0" algn="l" defTabSz="914400" rtl="0" eaLnBrk="1" fontAlgn="base" latinLnBrk="0" hangingPunct="1">
+              <a:lnSpc>
+                <a:spcPct val="100000"/>
+              </a:lnSpc>
+              <a:spcBef>
+                <a:spcPct val="0"/>
+              </a:spcBef>
+              <a:spcAft>
+                <a:spcPct val="0"/>
+              </a:spcAft>
+              <a:buClrTx/>
+              <a:buSzTx/>
+              <a:buFontTx/>
+              <a:buNone/>
+            </a:pPr>
+            <a:endParaRPr kumimoji="0" lang="zh-CN" altLang="en-US" sz="1800" b="0" i="0" u="none" strike="noStrike" cap="none" normalizeH="0" baseline="0">
+              <a:ln>
+                <a:noFill/>
+              </a:ln>
+              <a:solidFill>
+                <a:schemeClr val="tx1"/>
+              </a:solidFill>
+              <a:effectLst/>
+              <a:latin typeface="Arial" panose="02080604020202020204" pitchFamily="34" charset="0"/>
+              <a:ea typeface="宋体" pitchFamily="2" charset="-122"/>
+            </a:endParaRPr>
+          </a:p>
+        </p:txBody>
+      </p:sp>
+      <p:sp>
+        <p:nvSpPr>
+          <p:cNvPr id="8" name="Text Box 17">
+            <a:extLst>
+              <a:ext uri="{FF2B5EF4-FFF2-40B4-BE49-F238E27FC236}">
+                <a16:creationId xmlns:a16="http://schemas.microsoft.com/office/drawing/2014/main" id="{F260FA27-5CE4-415F-A223-B3FD489776E9}"/>
+              </a:ext>
+            </a:extLst>
+          </p:cNvPr>
+          <p:cNvSpPr txBox="1"/>
+          <p:nvPr/>
+        </p:nvSpPr>
+        <p:spPr>
+          <a:xfrm>
+            <a:off x="6645004" y="4024999"/>
+            <a:ext cx="4192270" cy="923330"/>
+          </a:xfrm>
+          <a:prstGeom prst="rect">
+            <a:avLst/>
+          </a:prstGeom>
+          <a:noFill/>
+        </p:spPr>
+        <p:txBody>
+          <a:bodyPr wrap="square" rtlCol="0">
+            <a:spAutoFit/>
+          </a:bodyPr>
+          <a:lstStyle/>
+          <a:p>
+            <a:r>
+              <a:rPr lang="zh-CN" altLang="en-US" dirty="0"/>
+              <a:t>数据输入步骤：</a:t>
+            </a:r>
+            <a:endParaRPr lang="en-US" altLang="zh-CN" dirty="0"/>
+          </a:p>
+          <a:p>
+            <a:pPr marL="342900" indent="-342900">
+              <a:buAutoNum type="arabicPeriod"/>
+            </a:pPr>
+            <a:r>
+              <a:rPr lang="zh-CN" altLang="en-US" dirty="0"/>
+              <a:t>采样</a:t>
+            </a:r>
+            <a:r>
+              <a:rPr lang="en-US" altLang="zh-CN" dirty="0"/>
+              <a:t>N</a:t>
+            </a:r>
+            <a:r>
+              <a:rPr lang="zh-CN" altLang="en-US" dirty="0"/>
+              <a:t>个数据点，获得采样序号</a:t>
+            </a:r>
+            <a:r>
+              <a:rPr lang="en-US" altLang="zh-CN" dirty="0"/>
+              <a:t>idx</a:t>
+            </a:r>
+          </a:p>
+          <a:p>
+            <a:pPr marL="342900" indent="-342900">
+              <a:buAutoNum type="arabicPeriod"/>
+            </a:pPr>
+            <a:r>
+              <a:rPr lang="en-US" altLang="zh-CN" dirty="0"/>
+              <a:t>r[idx], z[idx], pr[idx], z[idx]</a:t>
+            </a:r>
           </a:p>
         </p:txBody>
       </p:sp>
@@ -7130,7 +8451,7 @@
           <p:cNvPr id="2" name="文本框 1">
             <a:extLst>
               <a:ext uri="{FF2B5EF4-FFF2-40B4-BE49-F238E27FC236}">
-                <a16:creationId xmlns:a16="http://schemas.microsoft.com/office/drawing/2014/main" id="{48DBEA07-20DB-4953-9D80-9253AF8191FE}"/>
+                <a16:creationId xmlns:a16="http://schemas.microsoft.com/office/drawing/2014/main" id="{880FF12F-1908-47C8-A56C-10C306D4618D}"/>
               </a:ext>
             </a:extLst>
           </p:cNvPr>
@@ -7139,8 +8460,8 @@
         </p:nvSpPr>
         <p:spPr>
           <a:xfrm>
-            <a:off x="71020" y="40858"/>
-            <a:ext cx="3044301" cy="461665"/>
+            <a:off x="71021" y="40858"/>
+            <a:ext cx="2627792" cy="461665"/>
           </a:xfrm>
           <a:prstGeom prst="rect">
             <a:avLst/>
@@ -7149,13 +8470,13 @@
         </p:spPr>
         <p:style>
           <a:lnRef idx="1">
-            <a:schemeClr val="accent6"/>
+            <a:schemeClr val="accent5"/>
           </a:lnRef>
           <a:fillRef idx="2">
-            <a:schemeClr val="accent6"/>
+            <a:schemeClr val="accent5"/>
           </a:fillRef>
           <a:effectRef idx="1">
-            <a:schemeClr val="accent6"/>
+            <a:schemeClr val="accent5"/>
           </a:effectRef>
           <a:fontRef idx="minor">
             <a:schemeClr val="dk1"/>
@@ -7167,10 +8488,13 @@
           </a:bodyPr>
           <a:lstStyle/>
           <a:p>
-            <a:pPr algn="ctr"/>
+            <a:r>
+              <a:rPr lang="en-US" altLang="zh-CN" sz="2400" b="1" dirty="0"/>
+              <a:t>2.</a:t>
+            </a:r>
             <a:r>
               <a:rPr lang="zh-CN" altLang="en-US" sz="2400" b="1" dirty="0"/>
-              <a:t>无先验知识参数反演</a:t>
+              <a:t>声场计算函数化</a:t>
             </a:r>
           </a:p>
         </p:txBody>
@@ -7180,7 +8504,7 @@
           <p:cNvPr id="3" name="灯片编号占位符 2">
             <a:extLst>
               <a:ext uri="{FF2B5EF4-FFF2-40B4-BE49-F238E27FC236}">
-                <a16:creationId xmlns:a16="http://schemas.microsoft.com/office/drawing/2014/main" id="{AD72CBCE-CF55-4009-B272-DD6C2F213180}"/>
+                <a16:creationId xmlns:a16="http://schemas.microsoft.com/office/drawing/2014/main" id="{A759E09D-4A3B-464A-B444-BC009C97FD2A}"/>
               </a:ext>
             </a:extLst>
           </p:cNvPr>
@@ -7240,6 +8564,123 @@
       </p:grpSpPr>
       <p:sp>
         <p:nvSpPr>
+          <p:cNvPr id="2" name="文本框 1">
+            <a:extLst>
+              <a:ext uri="{FF2B5EF4-FFF2-40B4-BE49-F238E27FC236}">
+                <a16:creationId xmlns:a16="http://schemas.microsoft.com/office/drawing/2014/main" id="{48DBEA07-20DB-4953-9D80-9253AF8191FE}"/>
+              </a:ext>
+            </a:extLst>
+          </p:cNvPr>
+          <p:cNvSpPr txBox="1"/>
+          <p:nvPr/>
+        </p:nvSpPr>
+        <p:spPr>
+          <a:xfrm>
+            <a:off x="71020" y="40858"/>
+            <a:ext cx="3320250" cy="461665"/>
+          </a:xfrm>
+          <a:prstGeom prst="rect">
+            <a:avLst/>
+          </a:prstGeom>
+          <a:ln/>
+        </p:spPr>
+        <p:style>
+          <a:lnRef idx="1">
+            <a:schemeClr val="accent5"/>
+          </a:lnRef>
+          <a:fillRef idx="2">
+            <a:schemeClr val="accent5"/>
+          </a:fillRef>
+          <a:effectRef idx="1">
+            <a:schemeClr val="accent5"/>
+          </a:effectRef>
+          <a:fontRef idx="minor">
+            <a:schemeClr val="dk1"/>
+          </a:fontRef>
+        </p:style>
+        <p:txBody>
+          <a:bodyPr wrap="square">
+            <a:spAutoFit/>
+          </a:bodyPr>
+          <a:lstStyle/>
+          <a:p>
+            <a:pPr algn="ctr"/>
+            <a:r>
+              <a:rPr lang="en-US" altLang="zh-CN" sz="2400" b="1" dirty="0"/>
+              <a:t>3.</a:t>
+            </a:r>
+            <a:r>
+              <a:rPr lang="zh-CN" altLang="en-US" sz="2400" b="1" dirty="0"/>
+              <a:t>无先验知识参数反演</a:t>
+            </a:r>
+          </a:p>
+        </p:txBody>
+      </p:sp>
+      <p:sp>
+        <p:nvSpPr>
+          <p:cNvPr id="3" name="灯片编号占位符 2">
+            <a:extLst>
+              <a:ext uri="{FF2B5EF4-FFF2-40B4-BE49-F238E27FC236}">
+                <a16:creationId xmlns:a16="http://schemas.microsoft.com/office/drawing/2014/main" id="{AD72CBCE-CF55-4009-B272-DD6C2F213180}"/>
+              </a:ext>
+            </a:extLst>
+          </p:cNvPr>
+          <p:cNvSpPr>
+            <a:spLocks noGrp="1"/>
+          </p:cNvSpPr>
+          <p:nvPr>
+            <p:ph type="sldNum" idx="12"/>
+          </p:nvPr>
+        </p:nvSpPr>
+        <p:spPr/>
+        <p:txBody>
+          <a:bodyPr/>
+          <a:lstStyle/>
+          <a:p>
+            <a:pPr marL="0" lvl="0" indent="0" algn="r" rtl="0">
+              <a:spcBef>
+                <a:spcPts val="0"/>
+              </a:spcBef>
+              <a:spcAft>
+                <a:spcPts val="0"/>
+              </a:spcAft>
+              <a:buNone/>
+            </a:pPr>
+            <a:fld id="{00000000-1234-1234-1234-123412341234}" type="slidenum">
+              <a:rPr lang="en-GB" smtClean="0"/>
+              <a:t>13</a:t>
+            </a:fld>
+            <a:endParaRPr lang="en-GB"/>
+          </a:p>
+        </p:txBody>
+      </p:sp>
+    </p:spTree>
+  </p:cSld>
+  <p:clrMapOvr>
+    <a:masterClrMapping/>
+  </p:clrMapOvr>
+</p:sld>
+</file>
+
+<file path=ppt/slides/slide14.xml><?xml version="1.0" encoding="utf-8"?>
+<p:sld xmlns:a="http://schemas.openxmlformats.org/drawingml/2006/main" xmlns:r="http://schemas.openxmlformats.org/officeDocument/2006/relationships" xmlns:p="http://schemas.openxmlformats.org/presentationml/2006/main">
+  <p:cSld>
+    <p:spTree>
+      <p:nvGrpSpPr>
+        <p:cNvPr id="1" name="Shape 6199"/>
+        <p:cNvGrpSpPr/>
+        <p:nvPr/>
+      </p:nvGrpSpPr>
+      <p:grpSpPr>
+        <a:xfrm>
+          <a:off x="0" y="0"/>
+          <a:ext cx="0" cy="0"/>
+          <a:chOff x="0" y="0"/>
+          <a:chExt cx="0" cy="0"/>
+        </a:xfrm>
+      </p:grpSpPr>
+      <p:sp>
+        <p:nvSpPr>
           <p:cNvPr id="2" name="Text Box 0"/>
           <p:cNvSpPr txBox="1"/>
           <p:nvPr/>
@@ -7605,7 +9046,7 @@
             </a:pPr>
             <a:fld id="{00000000-1234-1234-1234-123412341234}" type="slidenum">
               <a:rPr lang="en-GB" smtClean="0"/>
-              <a:t>13</a:t>
+              <a:t>14</a:t>
             </a:fld>
             <a:endParaRPr lang="en-GB"/>
           </a:p>
@@ -7644,7 +9085,7 @@
         </p:nvSpPr>
         <p:spPr>
           <a:xfrm>
-            <a:off x="1192965" y="204390"/>
+            <a:off x="868086" y="243638"/>
             <a:ext cx="9804800" cy="611505"/>
           </a:xfrm>
           <a:prstGeom prst="rect">
@@ -8002,13 +9443,13 @@
         </p:spPr>
         <p:style>
           <a:lnRef idx="0">
-            <a:schemeClr val="accent2"/>
+            <a:schemeClr val="accent5"/>
           </a:lnRef>
           <a:fillRef idx="3">
-            <a:schemeClr val="accent2"/>
+            <a:schemeClr val="accent5"/>
           </a:fillRef>
           <a:effectRef idx="3">
-            <a:schemeClr val="accent2"/>
+            <a:schemeClr val="accent5"/>
           </a:effectRef>
           <a:fontRef idx="minor">
             <a:schemeClr val="lt1"/>
@@ -8062,7 +9503,7 @@
           <p:nvPr>
             <p:extLst>
               <p:ext uri="{D42A27DB-BD31-4B8C-83A1-F6EECF244321}">
-                <p14:modId xmlns:p14="http://schemas.microsoft.com/office/powerpoint/2010/main" val="2965037090"/>
+                <p14:modId xmlns:p14="http://schemas.microsoft.com/office/powerpoint/2010/main" val="1585191820"/>
               </p:ext>
             </p:extLst>
           </p:nvPr>
@@ -8102,7 +9543,7 @@
                       <a:pPr algn="ctr"/>
                       <a:r>
                         <a:rPr lang="zh-CN" altLang="en-US" dirty="0"/>
-                        <a:t>对应研究方向</a:t>
+                        <a:t>应用分类</a:t>
                       </a:r>
                     </a:p>
                   </a:txBody>
@@ -8270,7 +9711,7 @@
               <a:rPr lang="zh-CN" altLang="en-US" smtClean="0"/>
               <a:t>2</a:t>
             </a:fld>
-            <a:endParaRPr lang="zh-CN" altLang="en-US"/>
+            <a:endParaRPr lang="zh-CN" altLang="en-US" dirty="0"/>
           </a:p>
         </p:txBody>
       </p:sp>
@@ -8374,17 +9815,28 @@
         </p:nvSpPr>
         <p:spPr>
           <a:xfrm>
-            <a:off x="451485" y="4426585"/>
-            <a:ext cx="10011410" cy="2119630"/>
+            <a:off x="1471930" y="4403170"/>
+            <a:ext cx="8764023" cy="2119630"/>
           </a:xfrm>
-          <a:ln>
-            <a:solidFill>
-              <a:schemeClr val="accent5">
-                <a:lumMod val="75000"/>
-              </a:schemeClr>
-            </a:solidFill>
-          </a:ln>
+          <a:prstGeom prst="rect">
+            <a:avLst/>
+          </a:prstGeom>
+          <a:ln w="38100"/>
         </p:spPr>
+        <p:style>
+          <a:lnRef idx="2">
+            <a:schemeClr val="accent4"/>
+          </a:lnRef>
+          <a:fillRef idx="1">
+            <a:schemeClr val="lt1"/>
+          </a:fillRef>
+          <a:effectRef idx="0">
+            <a:schemeClr val="accent4"/>
+          </a:effectRef>
+          <a:fontRef idx="minor">
+            <a:schemeClr val="dk1"/>
+          </a:fontRef>
+        </p:style>
         <p:txBody>
           <a:bodyPr/>
           <a:lstStyle/>
@@ -8463,7 +9915,7 @@
               <a:buNone/>
             </a:pPr>
             <a:r>
-              <a:rPr lang="zh-CN" altLang="en-US" sz="1800" b="1">
+              <a:rPr lang="zh-CN" altLang="en-US" sz="1800" b="1" dirty="0">
                 <a:effectLst/>
                 <a:latin typeface="Times New Roman" panose="02020603050405020304" charset="0"/>
                 <a:cs typeface="Times New Roman" panose="02020603050405020304" charset="0"/>
@@ -8472,7 +9924,7 @@
               <a:t>神经网络：</a:t>
             </a:r>
             <a:r>
-              <a:rPr lang="en-US" altLang="zh-CN" sz="1800" b="1" i="1">
+              <a:rPr lang="en-US" altLang="zh-CN" sz="1800" b="1" i="1" dirty="0">
                 <a:effectLst/>
                 <a:latin typeface="Times New Roman" panose="02020603050405020304" charset="0"/>
                 <a:cs typeface="Times New Roman" panose="02020603050405020304" charset="0"/>
@@ -8498,7 +9950,7 @@
               <a:buNone/>
             </a:pPr>
             <a:r>
-              <a:rPr lang="zh-CN" altLang="en-US" sz="1800" b="1">
+              <a:rPr lang="zh-CN" altLang="en-US" sz="1800" b="1" dirty="0">
                 <a:effectLst/>
                 <a:latin typeface="Times New Roman" panose="02020603050405020304" charset="0"/>
                 <a:cs typeface="Times New Roman" panose="02020603050405020304" charset="0"/>
@@ -8507,7 +9959,7 @@
               <a:t>物理信息神经网络：</a:t>
             </a:r>
             <a:r>
-              <a:rPr lang="en-US" altLang="zh-CN" sz="1800" b="1" i="1">
+              <a:rPr lang="en-US" altLang="zh-CN" sz="1800" b="1" i="1" dirty="0">
                 <a:effectLst/>
                 <a:latin typeface="Times New Roman" panose="02020603050405020304" charset="0"/>
                 <a:cs typeface="Times New Roman" panose="02020603050405020304" charset="0"/>
@@ -8596,12 +10048,17 @@
             <p:ph type="sldNum" idx="12"/>
           </p:nvPr>
         </p:nvSpPr>
-        <p:spPr/>
+        <p:spPr>
+          <a:xfrm>
+            <a:off x="11086540" y="6131167"/>
+            <a:ext cx="731600" cy="524800"/>
+          </a:xfrm>
+        </p:spPr>
         <p:txBody>
           <a:bodyPr/>
           <a:lstStyle/>
           <a:p>
-            <a:pPr marL="0" lvl="0" indent="0" algn="r" rtl="0">
+            <a:pPr marL="0" lvl="0" indent="0" algn="ctr" rtl="0">
               <a:spcBef>
                 <a:spcPts val="0"/>
               </a:spcBef>
@@ -8612,9 +10069,18 @@
             </a:pPr>
             <a:fld id="{00000000-1234-1234-1234-123412341234}" type="slidenum">
               <a:rPr lang="en-GB" smtClean="0"/>
+              <a:pPr marL="0" lvl="0" indent="0" algn="ctr" rtl="0">
+                <a:spcBef>
+                  <a:spcPts val="0"/>
+                </a:spcBef>
+                <a:spcAft>
+                  <a:spcPts val="0"/>
+                </a:spcAft>
+                <a:buNone/>
+              </a:pPr>
               <a:t>3</a:t>
             </a:fld>
-            <a:endParaRPr lang="en-GB"/>
+            <a:endParaRPr lang="en-GB" dirty="0"/>
           </a:p>
         </p:txBody>
       </p:sp>
@@ -8693,7 +10159,25 @@
                 </a:solidFill>
                 <a:effectLst/>
               </a:rPr>
-              <a:t>神经网络是函数近似，不是预测</a:t>
+              <a:t>神经网络是</a:t>
+            </a:r>
+            <a:r>
+              <a:rPr lang="zh-CN" altLang="en-US" sz="2400" b="1" dirty="0">
+                <a:solidFill>
+                  <a:srgbClr val="FF0000"/>
+                </a:solidFill>
+                <a:effectLst/>
+              </a:rPr>
+              <a:t>函数近似</a:t>
+            </a:r>
+            <a:r>
+              <a:rPr lang="zh-CN" altLang="en-US" sz="2400" b="1" dirty="0">
+                <a:solidFill>
+                  <a:schemeClr val="accent4"/>
+                </a:solidFill>
+                <a:effectLst/>
+              </a:rPr>
+              <a:t>，不是预测</a:t>
             </a:r>
           </a:p>
         </p:txBody>
@@ -9230,7 +10714,25 @@
                 </a:solidFill>
                 <a:effectLst/>
               </a:rPr>
-              <a:t>物理信息神经网络设置了共享参数的两个网络</a:t>
+              <a:t>物理信息神经网络设置了</a:t>
+            </a:r>
+            <a:r>
+              <a:rPr lang="zh-CN" altLang="en-US" sz="2800" b="1" dirty="0">
+                <a:solidFill>
+                  <a:srgbClr val="FF0000"/>
+                </a:solidFill>
+                <a:effectLst/>
+              </a:rPr>
+              <a:t>共享参数</a:t>
+            </a:r>
+            <a:r>
+              <a:rPr lang="zh-CN" altLang="en-US" sz="2800" b="1" dirty="0">
+                <a:solidFill>
+                  <a:schemeClr val="accent4"/>
+                </a:solidFill>
+                <a:effectLst/>
+              </a:rPr>
+              <a:t>的两个网络</a:t>
             </a:r>
           </a:p>
         </p:txBody>
@@ -9249,8 +10751,8 @@
             </p:nvSpPr>
             <p:spPr>
               <a:xfrm>
-                <a:off x="7204710" y="1093470"/>
-                <a:ext cx="3965575" cy="4317365"/>
+                <a:off x="7329690" y="3644013"/>
+                <a:ext cx="3732579" cy="2839337"/>
               </a:xfrm>
               <a:ln>
                 <a:solidFill>
@@ -9289,7 +10791,31 @@
                     <a:cs typeface="+mn-cs"/>
                     <a:sym typeface="+mn-ea"/>
                   </a:rPr>
-                  <a:t>损失函数：</a:t>
+                  <a:t>损失函数</a:t>
+                </a:r>
+                <a:r>
+                  <a:rPr kumimoji="0" lang="en-US" altLang="zh-CN" sz="1800" b="0" i="0" u="none" strike="noStrike" kern="1200" cap="none" spc="0" normalizeH="0" baseline="0" noProof="1">
+                    <a:solidFill>
+                      <a:schemeClr val="tx1"/>
+                    </a:solidFill>
+                    <a:latin typeface="+mn-lt"/>
+                    <a:ea typeface="+mn-ea"/>
+                    <a:cs typeface="+mn-cs"/>
+                    <a:sym typeface="+mn-ea"/>
+                  </a:rPr>
+                  <a:t>Loss</a:t>
+                </a:r>
+                <a:r>
+                  <a:rPr kumimoji="0" lang="zh-CN" altLang="en-US" sz="1800" b="0" i="0" u="none" strike="noStrike" kern="1200" cap="none" spc="0" normalizeH="0" baseline="0" noProof="1">
+                    <a:solidFill>
+                      <a:schemeClr val="tx1"/>
+                    </a:solidFill>
+                    <a:latin typeface="+mn-lt"/>
+                    <a:ea typeface="+mn-ea"/>
+                    <a:cs typeface="+mn-cs"/>
+                    <a:sym typeface="+mn-ea"/>
+                  </a:rPr>
+                  <a:t>：</a:t>
                 </a:r>
                 <a:endParaRPr kumimoji="0" lang="en-US" altLang="zh-CN" sz="1800" b="0" i="1" u="none" strike="noStrike" kern="1200" cap="none" spc="0" normalizeH="0" baseline="0" noProof="1">
                   <a:solidFill>
@@ -10495,93 +12021,6 @@
                   <a:sym typeface="+mn-ea"/>
                 </a:endParaRPr>
               </a:p>
-              <a:p>
-                <a:pPr marL="0" marR="0" indent="0" algn="l" defTabSz="914400" rtl="0" eaLnBrk="1" fontAlgn="auto" latinLnBrk="0" hangingPunct="1">
-                  <a:lnSpc>
-                    <a:spcPct val="100000"/>
-                  </a:lnSpc>
-                  <a:spcBef>
-                    <a:spcPts val="1000"/>
-                  </a:spcBef>
-                  <a:spcAft>
-                    <a:spcPct val="0"/>
-                  </a:spcAft>
-                  <a:buClrTx/>
-                  <a:buSzTx/>
-                  <a:buFont typeface="Arial" panose="02080604020202020204" pitchFamily="34" charset="0"/>
-                  <a:buNone/>
-                </a:pPr>
-                <a:r>
-                  <a:rPr kumimoji="0" lang="zh-CN" altLang="en-US" sz="1800" b="0" i="0" u="none" strike="noStrike" kern="1200" cap="none" spc="0" normalizeH="0" baseline="0" noProof="1">
-                    <a:solidFill>
-                      <a:schemeClr val="tx1"/>
-                    </a:solidFill>
-                    <a:latin typeface="+mn-lt"/>
-                    <a:ea typeface="+mn-ea"/>
-                    <a:cs typeface="+mn-cs"/>
-                    <a:sym typeface="+mn-ea"/>
-                  </a:rPr>
-                  <a:t>通过寻优方法最小化损失函数：</a:t>
-                </a:r>
-              </a:p>
-              <a:p>
-                <a:pPr marR="0" algn="l" defTabSz="914400" rtl="0" eaLnBrk="1" fontAlgn="auto" latinLnBrk="0" hangingPunct="1">
-                  <a:lnSpc>
-                    <a:spcPct val="100000"/>
-                  </a:lnSpc>
-                  <a:spcBef>
-                    <a:spcPts val="1000"/>
-                  </a:spcBef>
-                  <a:spcAft>
-                    <a:spcPct val="0"/>
-                  </a:spcAft>
-                  <a:buClrTx/>
-                  <a:buSzTx/>
-                  <a:buFont typeface="Wingdings" panose="05000000000000000000" charset="0"/>
-                  <a:buChar char=""/>
-                </a:pPr>
-                <a:r>
-                  <a:rPr kumimoji="0" lang="en-US" altLang="zh-CN" sz="1800" b="0" i="0" u="none" strike="noStrike" kern="1200" cap="none" spc="0" normalizeH="0" baseline="0" noProof="1">
-                    <a:solidFill>
-                      <a:schemeClr val="tx1"/>
-                    </a:solidFill>
-                    <a:latin typeface="+mn-lt"/>
-                    <a:ea typeface="+mn-ea"/>
-                    <a:cs typeface="+mn-cs"/>
-                    <a:sym typeface="+mn-ea"/>
-                  </a:rPr>
-                  <a:t>L-BFGS-B</a:t>
-                </a:r>
-              </a:p>
-              <a:p>
-                <a:pPr marR="0" algn="l" defTabSz="914400" rtl="0" eaLnBrk="1" fontAlgn="auto" latinLnBrk="0" hangingPunct="1">
-                  <a:lnSpc>
-                    <a:spcPct val="100000"/>
-                  </a:lnSpc>
-                  <a:spcBef>
-                    <a:spcPts val="1000"/>
-                  </a:spcBef>
-                  <a:spcAft>
-                    <a:spcPct val="0"/>
-                  </a:spcAft>
-                  <a:buClrTx/>
-                  <a:buSzTx/>
-                  <a:buFont typeface="Wingdings" panose="05000000000000000000" charset="0"/>
-                  <a:buChar char=""/>
-                </a:pPr>
-                <a:r>
-                  <a:rPr kumimoji="0" lang="en-US" altLang="zh-CN" sz="1800" b="0" i="0" u="none" strike="noStrike" kern="1200" cap="none" spc="0" normalizeH="0" baseline="0" noProof="1">
-                    <a:solidFill>
-                      <a:schemeClr val="tx1"/>
-                    </a:solidFill>
-                    <a:latin typeface="+mn-lt"/>
-                    <a:ea typeface="+mn-ea"/>
-                    <a:cs typeface="+mn-cs"/>
-                    <a:sym typeface="+mn-ea"/>
-                  </a:rPr>
-                  <a:t>Adams</a:t>
-                </a:r>
-              </a:p>
             </p:txBody>
           </p:sp>
         </mc:Choice>
@@ -10590,7 +12029,7 @@
             <p:nvSpPr>
               <p:cNvPr id="26" name="Content Placeholder 25"/>
               <p:cNvSpPr>
-                <a:spLocks noRot="true" noChangeAspect="true" noMove="true" noResize="true" noEditPoints="true" noAdjustHandles="true" noChangeArrowheads="true" noChangeShapeType="true" noTextEdit="true"/>
+                <a:spLocks noGrp="1" noRot="1" noChangeAspect="1" noMove="1" noResize="1" noEditPoints="1" noAdjustHandles="1" noChangeArrowheads="1" noChangeShapeType="1" noTextEdit="1"/>
               </p:cNvSpPr>
               <p:nvPr>
                 <p:ph sz="half" idx="2"/>
@@ -10598,13 +12037,13 @@
             </p:nvSpPr>
             <p:spPr>
               <a:xfrm>
-                <a:off x="7204710" y="1093470"/>
-                <a:ext cx="3965575" cy="4317365"/>
+                <a:off x="7329690" y="3644013"/>
+                <a:ext cx="3732579" cy="2839337"/>
               </a:xfrm>
-              <a:blipFill rotWithShape="true">
+              <a:blipFill>
                 <a:blip r:embed="rId3"/>
                 <a:stretch>
-                  <a:fillRect l="-128" t="-118" r="-112" b="-103"/>
+                  <a:fillRect/>
                 </a:stretch>
               </a:blipFill>
               <a:ln>
@@ -10620,7 +12059,7 @@
               <a:lstStyle/>
               <a:p>
                 <a:r>
-                  <a:rPr lang="en-US" altLang="en-US">
+                  <a:rPr lang="zh-CN" altLang="en-US">
                     <a:noFill/>
                   </a:rPr>
                   <a:t> </a:t>
@@ -10830,7 +12269,7 @@
                     </m:oMath>
                   </m:oMathPara>
                 </a14:m>
-                <a:endParaRPr lang="en-US" altLang="en-US" sz="2400" i="1">
+                <a:endParaRPr lang="en-US" altLang="en-US" sz="2400" i="1" dirty="0">
                   <a:latin typeface="DejaVu Math TeX Gyre" panose="02000503000000000000" charset="0"/>
                   <a:cs typeface="DejaVu Math TeX Gyre" panose="02000503000000000000" charset="0"/>
                 </a:endParaRPr>
@@ -10901,7 +12340,7 @@
           <a:p>
             <a:pPr algn="ctr"/>
             <a:r>
-              <a:rPr lang="zh-CN" altLang="en-US" sz="2400"/>
+              <a:rPr lang="zh-CN" altLang="en-US" sz="2400" dirty="0"/>
               <a:t>物理信息神经网络</a:t>
             </a:r>
           </a:p>
@@ -12058,11 +13497,11 @@
           <a:lstStyle/>
           <a:p>
             <a:r>
-              <a:rPr lang="zh-CN" altLang="en-US"/>
+              <a:rPr lang="zh-CN" altLang="en-US" dirty="0"/>
               <a:t>声源位于原点，对于非声源点处声场满足</a:t>
             </a:r>
             <a:r>
-              <a:rPr lang="zh-CN" altLang="en-US">
+              <a:rPr lang="zh-CN" altLang="en-US" dirty="0">
                 <a:solidFill>
                   <a:srgbClr val="FF0000"/>
                 </a:solidFill>
@@ -12070,7 +13509,7 @@
               <a:t>非齐次</a:t>
             </a:r>
             <a:r>
-              <a:rPr lang="en-US" altLang="zh-CN">
+              <a:rPr lang="en-US" altLang="zh-CN" dirty="0">
                 <a:solidFill>
                   <a:srgbClr val="FF0000"/>
                 </a:solidFill>
@@ -12078,16 +13517,16 @@
               <a:t>Helmholtz</a:t>
             </a:r>
             <a:r>
-              <a:rPr lang="zh-CN" altLang="en-US"/>
+              <a:rPr lang="zh-CN" altLang="en-US" dirty="0"/>
               <a:t>方程。</a:t>
             </a:r>
           </a:p>
           <a:p>
-            <a:endParaRPr lang="zh-CN" altLang="en-US"/>
-          </a:p>
-          <a:p>
-            <a:r>
-              <a:rPr lang="zh-CN" altLang="en-US"/>
+            <a:endParaRPr lang="zh-CN" altLang="en-US" dirty="0"/>
+          </a:p>
+          <a:p>
+            <a:r>
+              <a:rPr lang="zh-CN" altLang="en-US" dirty="0"/>
               <a:t>对边界和内部点进行如图所示采样。</a:t>
             </a:r>
           </a:p>
@@ -12220,7 +13659,7 @@
         </p:blipFill>
         <p:spPr>
           <a:xfrm>
-            <a:off x="473710" y="3396615"/>
+            <a:off x="473710" y="285115"/>
             <a:ext cx="3657600" cy="2743200"/>
           </a:xfrm>
           <a:prstGeom prst="rect">
@@ -12228,65 +13667,6 @@
           </a:prstGeom>
         </p:spPr>
       </p:pic>
-      <p:pic>
-        <p:nvPicPr>
-          <p:cNvPr id="14" name="Picture 13"/>
-          <p:cNvPicPr>
-            <a:picLocks noChangeAspect="1"/>
-          </p:cNvPicPr>
-          <p:nvPr/>
-        </p:nvPicPr>
-        <p:blipFill>
-          <a:blip r:embed="rId5"/>
-          <a:stretch>
-            <a:fillRect/>
-          </a:stretch>
-        </p:blipFill>
-        <p:spPr>
-          <a:xfrm>
-            <a:off x="539115" y="281305"/>
-            <a:ext cx="3557270" cy="2667635"/>
-          </a:xfrm>
-          <a:prstGeom prst="rect">
-            <a:avLst/>
-          </a:prstGeom>
-        </p:spPr>
-      </p:pic>
-      <p:sp>
-        <p:nvSpPr>
-          <p:cNvPr id="58" name="TextBox 57"/>
-          <p:cNvSpPr txBox="1"/>
-          <p:nvPr/>
-        </p:nvSpPr>
-        <p:spPr>
-          <a:xfrm>
-            <a:off x="1540438" y="2949238"/>
-            <a:ext cx="1554480" cy="368300"/>
-          </a:xfrm>
-          <a:prstGeom prst="rect">
-            <a:avLst/>
-          </a:prstGeom>
-          <a:noFill/>
-        </p:spPr>
-        <p:txBody>
-          <a:bodyPr wrap="none" rtlCol="0">
-            <a:spAutoFit/>
-          </a:bodyPr>
-          <a:lstStyle/>
-          <a:p>
-            <a:r>
-              <a:rPr lang="zh-CN" altLang="el-GR" dirty="0">
-                <a:solidFill>
-                  <a:schemeClr val="accent1">
-                    <a:lumMod val="50000"/>
-                  </a:schemeClr>
-                </a:solidFill>
-              </a:rPr>
-              <a:t>训练数据采样</a:t>
-            </a:r>
-          </a:p>
-        </p:txBody>
-      </p:sp>
       <p:sp>
         <p:nvSpPr>
           <p:cNvPr id="15" name="TextBox 57"/>
@@ -12295,8 +13675,8 @@
         </p:nvSpPr>
         <p:spPr>
           <a:xfrm>
-            <a:off x="5754298" y="2975225"/>
-            <a:ext cx="4069080" cy="368300"/>
+            <a:off x="5580302" y="2970558"/>
+            <a:ext cx="5024132" cy="369332"/>
           </a:xfrm>
           <a:prstGeom prst="rect">
             <a:avLst/>
@@ -12319,6 +13699,43 @@
               </a:rPr>
               <a:t>声压传播损失的精确解和网络预测结果</a:t>
             </a:r>
+            <a:r>
+              <a:rPr lang="en-US" altLang="zh-CN" dirty="0">
+                <a:solidFill>
+                  <a:schemeClr val="accent1">
+                    <a:lumMod val="50000"/>
+                  </a:schemeClr>
+                </a:solidFill>
+              </a:rPr>
+              <a:t>, </a:t>
+            </a:r>
+            <a:r>
+              <a:rPr lang="zh-CN" altLang="en-US" dirty="0">
+                <a:solidFill>
+                  <a:schemeClr val="accent1">
+                    <a:lumMod val="50000"/>
+                  </a:schemeClr>
+                </a:solidFill>
+              </a:rPr>
+              <a:t>单位</a:t>
+            </a:r>
+            <a:r>
+              <a:rPr lang="en-US" altLang="zh-CN" dirty="0">
+                <a:solidFill>
+                  <a:schemeClr val="accent1">
+                    <a:lumMod val="50000"/>
+                  </a:schemeClr>
+                </a:solidFill>
+              </a:rPr>
+              <a:t>dB</a:t>
+            </a:r>
+            <a:endParaRPr lang="zh-CN" altLang="el-GR" dirty="0">
+              <a:solidFill>
+                <a:schemeClr val="accent1">
+                  <a:lumMod val="50000"/>
+                </a:schemeClr>
+              </a:solidFill>
+            </a:endParaRPr>
           </a:p>
         </p:txBody>
       </p:sp>
@@ -12330,7 +13747,7 @@
         </p:nvSpPr>
         <p:spPr>
           <a:xfrm>
-            <a:off x="504118" y="6140113"/>
+            <a:off x="547666" y="3028315"/>
             <a:ext cx="3627120" cy="368300"/>
           </a:xfrm>
           <a:prstGeom prst="rect">
@@ -12451,14 +13868,14 @@
           <p:nvPr/>
         </p:nvPicPr>
         <p:blipFill>
-          <a:blip r:embed="rId6"/>
+          <a:blip r:embed="rId5"/>
           <a:stretch>
             <a:fillRect/>
           </a:stretch>
         </p:blipFill>
         <p:spPr>
           <a:xfrm>
-            <a:off x="4474210" y="3414371"/>
+            <a:off x="2999740" y="3945890"/>
             <a:ext cx="5349240" cy="2193925"/>
           </a:xfrm>
           <a:prstGeom prst="rect">
@@ -12474,7 +13891,7 @@
         </p:nvSpPr>
         <p:spPr>
           <a:xfrm>
-            <a:off x="9661525" y="4257040"/>
+            <a:off x="8187055" y="4788559"/>
             <a:ext cx="1153795" cy="645160"/>
           </a:xfrm>
           <a:prstGeom prst="rect">
@@ -12510,7 +13927,7 @@
         </p:nvSpPr>
         <p:spPr>
           <a:xfrm>
-            <a:off x="5269158" y="5590838"/>
+            <a:off x="3794688" y="6122357"/>
             <a:ext cx="4297680" cy="368300"/>
           </a:xfrm>
           <a:prstGeom prst="rect">
@@ -12608,7 +14025,7 @@
         </p:nvSpPr>
         <p:spPr>
           <a:xfrm>
-            <a:off x="6532245" y="2533650"/>
+            <a:off x="3958430" y="2817735"/>
             <a:ext cx="3977005" cy="368300"/>
           </a:xfrm>
           <a:prstGeom prst="rect">
@@ -12651,7 +14068,7 @@
         </p:blipFill>
         <p:spPr>
           <a:xfrm>
-            <a:off x="5459730" y="125095"/>
+            <a:off x="2885915" y="409180"/>
             <a:ext cx="6228080" cy="2335530"/>
           </a:xfrm>
           <a:prstGeom prst="rect">
@@ -12667,7 +14084,7 @@
         </p:nvCxnSpPr>
         <p:spPr>
           <a:xfrm>
-            <a:off x="5884545" y="1310005"/>
+            <a:off x="3310730" y="1594090"/>
             <a:ext cx="2032000" cy="0"/>
           </a:xfrm>
           <a:prstGeom prst="line">
@@ -12706,7 +14123,7 @@
         </p:nvCxnSpPr>
         <p:spPr>
           <a:xfrm>
-            <a:off x="8996045" y="1297305"/>
+            <a:off x="6422230" y="1581390"/>
             <a:ext cx="2032000" cy="0"/>
           </a:xfrm>
           <a:prstGeom prst="line">
@@ -12734,53 +14151,9 @@
           </a:ln>
         </p:spPr>
       </p:cxnSp>
-      <p:sp>
-        <p:nvSpPr>
-          <p:cNvPr id="28" name="TextBox 57"/>
-          <p:cNvSpPr txBox="1"/>
-          <p:nvPr/>
-        </p:nvSpPr>
-        <p:spPr>
-          <a:xfrm>
-            <a:off x="6532245" y="5861050"/>
-            <a:ext cx="4268470" cy="368300"/>
-          </a:xfrm>
-          <a:prstGeom prst="rect">
-            <a:avLst/>
-          </a:prstGeom>
-          <a:noFill/>
-        </p:spPr>
-        <p:txBody>
-          <a:bodyPr wrap="square" rtlCol="0">
-            <a:spAutoFit/>
-          </a:bodyPr>
-          <a:lstStyle/>
-          <a:p>
-            <a:pPr algn="l"/>
-            <a:r>
-              <a:rPr lang="zh-CN" altLang="el-GR" dirty="0">
-                <a:solidFill>
-                  <a:schemeClr val="accent1">
-                    <a:lumMod val="50000"/>
-                  </a:schemeClr>
-                </a:solidFill>
-                <a:sym typeface="+mn-ea"/>
-              </a:rPr>
-              <a:t>声压虚部的精确解和网络预测结果</a:t>
-            </a:r>
-            <a:endParaRPr lang="zh-CN" dirty="0">
-              <a:solidFill>
-                <a:schemeClr val="accent1">
-                  <a:lumMod val="50000"/>
-                </a:schemeClr>
-              </a:solidFill>
-            </a:endParaRPr>
-          </a:p>
-        </p:txBody>
-      </p:sp>
       <p:pic>
         <p:nvPicPr>
-          <p:cNvPr id="3" name="Picture 2" descr="fig3-2"/>
+          <p:cNvPr id="7" name="Picture 6" descr="fig3-5"/>
           <p:cNvPicPr>
             <a:picLocks noChangeAspect="1"/>
           </p:cNvPicPr>
@@ -12794,7 +14167,183 @@
         </p:blipFill>
         <p:spPr>
           <a:xfrm>
-            <a:off x="5459730" y="3156585"/>
+            <a:off x="2885915" y="3580636"/>
+            <a:ext cx="5457825" cy="2046605"/>
+          </a:xfrm>
+          <a:prstGeom prst="rect">
+            <a:avLst/>
+          </a:prstGeom>
+        </p:spPr>
+      </p:pic>
+      <p:sp>
+        <p:nvSpPr>
+          <p:cNvPr id="8" name="TextBox 57"/>
+          <p:cNvSpPr txBox="1"/>
+          <p:nvPr/>
+        </p:nvSpPr>
+        <p:spPr>
+          <a:xfrm>
+            <a:off x="3581400" y="5937627"/>
+            <a:ext cx="4335145" cy="368300"/>
+          </a:xfrm>
+          <a:prstGeom prst="rect">
+            <a:avLst/>
+          </a:prstGeom>
+          <a:noFill/>
+        </p:spPr>
+        <p:txBody>
+          <a:bodyPr wrap="square" rtlCol="0">
+            <a:spAutoFit/>
+          </a:bodyPr>
+          <a:lstStyle/>
+          <a:p>
+            <a:r>
+              <a:rPr lang="en-US" altLang="zh-CN" dirty="0">
+                <a:solidFill>
+                  <a:schemeClr val="accent1">
+                    <a:lumMod val="50000"/>
+                  </a:schemeClr>
+                </a:solidFill>
+              </a:rPr>
+              <a:t>y=5m</a:t>
+            </a:r>
+            <a:r>
+              <a:rPr lang="zh-CN" altLang="el-GR" dirty="0">
+                <a:solidFill>
+                  <a:schemeClr val="accent1">
+                    <a:lumMod val="50000"/>
+                  </a:schemeClr>
+                </a:solidFill>
+              </a:rPr>
+              <a:t>复数声压的精确解和网络预测结果</a:t>
+            </a:r>
+          </a:p>
+        </p:txBody>
+      </p:sp>
+      <p:sp>
+        <p:nvSpPr>
+          <p:cNvPr id="6" name="灯片编号占位符 5">
+            <a:extLst>
+              <a:ext uri="{FF2B5EF4-FFF2-40B4-BE49-F238E27FC236}">
+                <a16:creationId xmlns:a16="http://schemas.microsoft.com/office/drawing/2014/main" id="{96E569B4-0100-423F-9C2B-6CB480FC08E1}"/>
+              </a:ext>
+            </a:extLst>
+          </p:cNvPr>
+          <p:cNvSpPr>
+            <a:spLocks noGrp="1"/>
+          </p:cNvSpPr>
+          <p:nvPr>
+            <p:ph type="sldNum" idx="12"/>
+          </p:nvPr>
+        </p:nvSpPr>
+        <p:spPr/>
+        <p:txBody>
+          <a:bodyPr/>
+          <a:lstStyle/>
+          <a:p>
+            <a:pPr marL="0" lvl="0" indent="0" algn="r" rtl="0">
+              <a:spcBef>
+                <a:spcPts val="0"/>
+              </a:spcBef>
+              <a:spcAft>
+                <a:spcPts val="0"/>
+              </a:spcAft>
+              <a:buNone/>
+            </a:pPr>
+            <a:fld id="{00000000-1234-1234-1234-123412341234}" type="slidenum">
+              <a:rPr lang="en-GB" smtClean="0"/>
+              <a:t>8</a:t>
+            </a:fld>
+            <a:endParaRPr lang="en-GB"/>
+          </a:p>
+        </p:txBody>
+      </p:sp>
+    </p:spTree>
+  </p:cSld>
+  <p:clrMapOvr>
+    <a:masterClrMapping/>
+  </p:clrMapOvr>
+</p:sld>
+</file>
+
+<file path=ppt/slides/slide9.xml><?xml version="1.0" encoding="utf-8"?>
+<p:sld xmlns:a="http://schemas.openxmlformats.org/drawingml/2006/main" xmlns:r="http://schemas.openxmlformats.org/officeDocument/2006/relationships" xmlns:p="http://schemas.openxmlformats.org/presentationml/2006/main">
+  <p:cSld>
+    <p:spTree>
+      <p:nvGrpSpPr>
+        <p:cNvPr id="1" name="Shape 6199"/>
+        <p:cNvGrpSpPr/>
+        <p:nvPr/>
+      </p:nvGrpSpPr>
+      <p:grpSpPr>
+        <a:xfrm>
+          <a:off x="0" y="0"/>
+          <a:ext cx="0" cy="0"/>
+          <a:chOff x="0" y="0"/>
+          <a:chExt cx="0" cy="0"/>
+        </a:xfrm>
+      </p:grpSpPr>
+      <p:sp>
+        <p:nvSpPr>
+          <p:cNvPr id="28" name="TextBox 57"/>
+          <p:cNvSpPr txBox="1"/>
+          <p:nvPr/>
+        </p:nvSpPr>
+        <p:spPr>
+          <a:xfrm>
+            <a:off x="3536531" y="6111723"/>
+            <a:ext cx="4268470" cy="368300"/>
+          </a:xfrm>
+          <a:prstGeom prst="rect">
+            <a:avLst/>
+          </a:prstGeom>
+          <a:noFill/>
+        </p:spPr>
+        <p:txBody>
+          <a:bodyPr wrap="square" rtlCol="0">
+            <a:spAutoFit/>
+          </a:bodyPr>
+          <a:lstStyle/>
+          <a:p>
+            <a:pPr algn="l"/>
+            <a:r>
+              <a:rPr lang="zh-CN" altLang="el-GR" dirty="0">
+                <a:solidFill>
+                  <a:schemeClr val="accent1">
+                    <a:lumMod val="50000"/>
+                  </a:schemeClr>
+                </a:solidFill>
+                <a:sym typeface="+mn-ea"/>
+              </a:rPr>
+              <a:t>声压虚部的精确解和网络预测结果</a:t>
+            </a:r>
+            <a:endParaRPr lang="zh-CN" dirty="0">
+              <a:solidFill>
+                <a:schemeClr val="accent1">
+                  <a:lumMod val="50000"/>
+                </a:schemeClr>
+              </a:solidFill>
+            </a:endParaRPr>
+          </a:p>
+        </p:txBody>
+      </p:sp>
+      <p:pic>
+        <p:nvPicPr>
+          <p:cNvPr id="3" name="Picture 2" descr="fig3-2"/>
+          <p:cNvPicPr>
+            <a:picLocks noChangeAspect="1"/>
+          </p:cNvPicPr>
+          <p:nvPr/>
+        </p:nvPicPr>
+        <p:blipFill>
+          <a:blip r:embed="rId3"/>
+          <a:stretch>
+            <a:fillRect/>
+          </a:stretch>
+        </p:blipFill>
+        <p:spPr>
+          <a:xfrm>
+            <a:off x="2556726" y="3698122"/>
             <a:ext cx="6228080" cy="2335530"/>
           </a:xfrm>
           <a:prstGeom prst="rect">
@@ -12810,7 +14359,7 @@
         </p:nvCxnSpPr>
         <p:spPr>
           <a:xfrm>
-            <a:off x="9008745" y="4342765"/>
+            <a:off x="6105741" y="4342765"/>
             <a:ext cx="2032000" cy="0"/>
           </a:xfrm>
           <a:prstGeom prst="line">
@@ -12846,7 +14395,7 @@
         </p:nvCxnSpPr>
         <p:spPr>
           <a:xfrm>
-            <a:off x="5909945" y="4342765"/>
+            <a:off x="3006941" y="4342765"/>
             <a:ext cx="2032000" cy="0"/>
           </a:xfrm>
           <a:prstGeom prst="line">
@@ -12879,417 +14428,7 @@
       </p:cxnSp>
       <p:pic>
         <p:nvPicPr>
-          <p:cNvPr id="7" name="Picture 6" descr="fig3-5"/>
-          <p:cNvPicPr>
-            <a:picLocks noChangeAspect="1"/>
-          </p:cNvPicPr>
-          <p:nvPr/>
-        </p:nvPicPr>
-        <p:blipFill>
-          <a:blip r:embed="rId5"/>
-          <a:stretch>
-            <a:fillRect/>
-          </a:stretch>
-        </p:blipFill>
-        <p:spPr>
-          <a:xfrm>
-            <a:off x="27305" y="287020"/>
-            <a:ext cx="5457825" cy="2046605"/>
-          </a:xfrm>
-          <a:prstGeom prst="rect">
-            <a:avLst/>
-          </a:prstGeom>
-        </p:spPr>
-      </p:pic>
-      <p:sp>
-        <p:nvSpPr>
-          <p:cNvPr id="8" name="TextBox 57"/>
-          <p:cNvSpPr txBox="1"/>
-          <p:nvPr/>
-        </p:nvSpPr>
-        <p:spPr>
-          <a:xfrm>
-            <a:off x="862330" y="2533650"/>
-            <a:ext cx="4335145" cy="368300"/>
-          </a:xfrm>
-          <a:prstGeom prst="rect">
-            <a:avLst/>
-          </a:prstGeom>
-          <a:noFill/>
-        </p:spPr>
-        <p:txBody>
-          <a:bodyPr wrap="square" rtlCol="0">
-            <a:spAutoFit/>
-          </a:bodyPr>
-          <a:lstStyle/>
-          <a:p>
-            <a:r>
-              <a:rPr lang="en-US" altLang="zh-CN" dirty="0">
-                <a:solidFill>
-                  <a:schemeClr val="accent1">
-                    <a:lumMod val="50000"/>
-                  </a:schemeClr>
-                </a:solidFill>
-              </a:rPr>
-              <a:t>y=5m</a:t>
-            </a:r>
-            <a:r>
-              <a:rPr lang="zh-CN" altLang="el-GR" dirty="0">
-                <a:solidFill>
-                  <a:schemeClr val="accent1">
-                    <a:lumMod val="50000"/>
-                  </a:schemeClr>
-                </a:solidFill>
-              </a:rPr>
-              <a:t>复数声压的精确解和网络预测结果</a:t>
-            </a:r>
-          </a:p>
-        </p:txBody>
-      </p:sp>
-      <p:pic>
-        <p:nvPicPr>
           <p:cNvPr id="9" name="Picture 8" descr="fig3-4"/>
-          <p:cNvPicPr>
-            <a:picLocks noChangeAspect="1"/>
-          </p:cNvPicPr>
-          <p:nvPr/>
-        </p:nvPicPr>
-        <p:blipFill>
-          <a:blip r:embed="rId6"/>
-          <a:stretch>
-            <a:fillRect/>
-          </a:stretch>
-        </p:blipFill>
-        <p:spPr>
-          <a:xfrm>
-            <a:off x="69850" y="3238500"/>
-            <a:ext cx="5452745" cy="2045335"/>
-          </a:xfrm>
-          <a:prstGeom prst="rect">
-            <a:avLst/>
-          </a:prstGeom>
-        </p:spPr>
-      </p:pic>
-      <p:sp>
-        <p:nvSpPr>
-          <p:cNvPr id="10" name="TextBox 57"/>
-          <p:cNvSpPr txBox="1"/>
-          <p:nvPr/>
-        </p:nvSpPr>
-        <p:spPr>
-          <a:xfrm>
-            <a:off x="334645" y="5445760"/>
-            <a:ext cx="4923790" cy="1198880"/>
-          </a:xfrm>
-          <a:prstGeom prst="rect">
-            <a:avLst/>
-          </a:prstGeom>
-          <a:noFill/>
-        </p:spPr>
-        <p:txBody>
-          <a:bodyPr wrap="square" rtlCol="0">
-            <a:spAutoFit/>
-          </a:bodyPr>
-          <a:lstStyle/>
-          <a:p>
-            <a:pPr algn="l"/>
-            <a:r>
-              <a:rPr lang="zh-CN" altLang="en-US" dirty="0">
-                <a:solidFill>
-                  <a:schemeClr val="accent1">
-                    <a:lumMod val="50000"/>
-                  </a:schemeClr>
-                </a:solidFill>
-                <a:sym typeface="+mn-ea"/>
-              </a:rPr>
-              <a:t>复数声压预测与理论值之间的逐点误差：</a:t>
-            </a:r>
-          </a:p>
-          <a:p>
-            <a:pPr algn="l"/>
-            <a:r>
-              <a:rPr lang="en-US" altLang="zh-CN" dirty="0">
-                <a:solidFill>
-                  <a:schemeClr val="accent1">
-                    <a:lumMod val="50000"/>
-                  </a:schemeClr>
-                </a:solidFill>
-                <a:sym typeface="+mn-ea"/>
-              </a:rPr>
-              <a:t>(a)</a:t>
-            </a:r>
-            <a:r>
-              <a:rPr lang="zh-CN" altLang="en-US" dirty="0">
-                <a:solidFill>
-                  <a:schemeClr val="accent1">
-                    <a:lumMod val="50000"/>
-                  </a:schemeClr>
-                </a:solidFill>
-                <a:sym typeface="+mn-ea"/>
-              </a:rPr>
-              <a:t>实数部分</a:t>
-            </a:r>
-            <a:r>
-              <a:rPr lang="en-US" altLang="zh-CN" dirty="0">
-                <a:solidFill>
-                  <a:schemeClr val="accent1">
-                    <a:lumMod val="50000"/>
-                  </a:schemeClr>
-                </a:solidFill>
-                <a:sym typeface="+mn-ea"/>
-              </a:rPr>
-              <a:t>;(b)</a:t>
-            </a:r>
-            <a:r>
-              <a:rPr lang="zh-CN" altLang="en-US" dirty="0">
-                <a:solidFill>
-                  <a:schemeClr val="accent1">
-                    <a:lumMod val="50000"/>
-                  </a:schemeClr>
-                </a:solidFill>
-                <a:sym typeface="+mn-ea"/>
-              </a:rPr>
-              <a:t>虚数部分。</a:t>
-            </a:r>
-          </a:p>
-          <a:p>
-            <a:pPr algn="l"/>
-            <a:r>
-              <a:rPr lang="zh-CN" altLang="en-US" dirty="0">
-                <a:solidFill>
-                  <a:schemeClr val="accent1">
-                    <a:lumMod val="50000"/>
-                  </a:schemeClr>
-                </a:solidFill>
-                <a:sym typeface="+mn-ea"/>
-              </a:rPr>
-              <a:t>误差在</a:t>
-            </a:r>
-            <a:r>
-              <a:rPr lang="en-US" altLang="zh-CN" dirty="0">
-                <a:solidFill>
-                  <a:schemeClr val="accent1">
-                    <a:lumMod val="50000"/>
-                  </a:schemeClr>
-                </a:solidFill>
-                <a:sym typeface="+mn-ea"/>
-              </a:rPr>
-              <a:t>1e-3</a:t>
-            </a:r>
-            <a:r>
-              <a:rPr lang="zh-CN" altLang="en-US" dirty="0">
-                <a:solidFill>
-                  <a:schemeClr val="accent1">
-                    <a:lumMod val="50000"/>
-                  </a:schemeClr>
-                </a:solidFill>
-                <a:sym typeface="+mn-ea"/>
-              </a:rPr>
-              <a:t>量级</a:t>
-            </a:r>
-            <a:r>
-              <a:rPr lang="en-US" altLang="zh-CN" dirty="0">
-                <a:solidFill>
-                  <a:schemeClr val="accent1">
-                    <a:lumMod val="50000"/>
-                  </a:schemeClr>
-                </a:solidFill>
-                <a:sym typeface="+mn-ea"/>
-              </a:rPr>
-              <a:t>,</a:t>
-            </a:r>
-            <a:r>
-              <a:rPr lang="zh-CN" altLang="en-US" dirty="0">
-                <a:solidFill>
-                  <a:schemeClr val="accent1">
-                    <a:lumMod val="50000"/>
-                  </a:schemeClr>
-                </a:solidFill>
-                <a:sym typeface="+mn-ea"/>
-              </a:rPr>
-              <a:t>在近声源点由于声源奇异性误差较高，局部点精度可以达到</a:t>
-            </a:r>
-            <a:r>
-              <a:rPr lang="en-US" altLang="zh-CN" dirty="0">
-                <a:solidFill>
-                  <a:schemeClr val="accent1">
-                    <a:lumMod val="50000"/>
-                  </a:schemeClr>
-                </a:solidFill>
-                <a:sym typeface="+mn-ea"/>
-              </a:rPr>
-              <a:t>1e</a:t>
-            </a:r>
-            <a:r>
-              <a:rPr lang="en-US" altLang="en-US" dirty="0">
-                <a:solidFill>
-                  <a:schemeClr val="accent1">
-                    <a:lumMod val="50000"/>
-                  </a:schemeClr>
-                </a:solidFill>
-                <a:sym typeface="+mn-ea"/>
-              </a:rPr>
-              <a:t>-6</a:t>
-            </a:r>
-            <a:r>
-              <a:rPr lang="zh-CN" altLang="en-US" dirty="0">
-                <a:solidFill>
-                  <a:schemeClr val="accent1">
-                    <a:lumMod val="50000"/>
-                  </a:schemeClr>
-                </a:solidFill>
-                <a:sym typeface="+mn-ea"/>
-              </a:rPr>
-              <a:t>。</a:t>
-            </a:r>
-          </a:p>
-        </p:txBody>
-      </p:sp>
-      <p:sp>
-        <p:nvSpPr>
-          <p:cNvPr id="6" name="灯片编号占位符 5">
-            <a:extLst>
-              <a:ext uri="{FF2B5EF4-FFF2-40B4-BE49-F238E27FC236}">
-                <a16:creationId xmlns:a16="http://schemas.microsoft.com/office/drawing/2014/main" id="{96E569B4-0100-423F-9C2B-6CB480FC08E1}"/>
-              </a:ext>
-            </a:extLst>
-          </p:cNvPr>
-          <p:cNvSpPr>
-            <a:spLocks noGrp="1"/>
-          </p:cNvSpPr>
-          <p:nvPr>
-            <p:ph type="sldNum" idx="12"/>
-          </p:nvPr>
-        </p:nvSpPr>
-        <p:spPr/>
-        <p:txBody>
-          <a:bodyPr/>
-          <a:lstStyle/>
-          <a:p>
-            <a:pPr marL="0" lvl="0" indent="0" algn="r" rtl="0">
-              <a:spcBef>
-                <a:spcPts val="0"/>
-              </a:spcBef>
-              <a:spcAft>
-                <a:spcPts val="0"/>
-              </a:spcAft>
-              <a:buNone/>
-            </a:pPr>
-            <a:fld id="{00000000-1234-1234-1234-123412341234}" type="slidenum">
-              <a:rPr lang="en-GB" smtClean="0"/>
-              <a:t>8</a:t>
-            </a:fld>
-            <a:endParaRPr lang="en-GB"/>
-          </a:p>
-        </p:txBody>
-      </p:sp>
-    </p:spTree>
-  </p:cSld>
-  <p:clrMapOvr>
-    <a:masterClrMapping/>
-  </p:clrMapOvr>
-</p:sld>
-</file>
-
-<file path=ppt/slides/slide9.xml><?xml version="1.0" encoding="utf-8"?>
-<p:sld xmlns:a="http://schemas.openxmlformats.org/drawingml/2006/main" xmlns:r="http://schemas.openxmlformats.org/officeDocument/2006/relationships" xmlns:p="http://schemas.openxmlformats.org/presentationml/2006/main">
-  <p:cSld>
-    <p:spTree>
-      <p:nvGrpSpPr>
-        <p:cNvPr id="1" name="Shape 6199"/>
-        <p:cNvGrpSpPr/>
-        <p:nvPr/>
-      </p:nvGrpSpPr>
-      <p:grpSpPr>
-        <a:xfrm>
-          <a:off x="0" y="0"/>
-          <a:ext cx="0" cy="0"/>
-          <a:chOff x="0" y="0"/>
-          <a:chExt cx="0" cy="0"/>
-        </a:xfrm>
-      </p:grpSpPr>
-      <p:pic>
-        <p:nvPicPr>
-          <p:cNvPr id="2" name="Picture 1" descr="fig6"/>
-          <p:cNvPicPr>
-            <a:picLocks noChangeAspect="1"/>
-          </p:cNvPicPr>
-          <p:nvPr/>
-        </p:nvPicPr>
-        <p:blipFill>
-          <a:blip r:embed="rId3"/>
-          <a:stretch>
-            <a:fillRect/>
-          </a:stretch>
-        </p:blipFill>
-        <p:spPr>
-          <a:xfrm>
-            <a:off x="4848225" y="745490"/>
-            <a:ext cx="6038850" cy="3390900"/>
-          </a:xfrm>
-          <a:prstGeom prst="rect">
-            <a:avLst/>
-          </a:prstGeom>
-        </p:spPr>
-      </p:pic>
-      <p:sp>
-        <p:nvSpPr>
-          <p:cNvPr id="9571" name="Google Shape;9571;p134"/>
-          <p:cNvSpPr txBox="1"/>
-          <p:nvPr/>
-        </p:nvSpPr>
-        <p:spPr>
-          <a:xfrm>
-            <a:off x="1972000" y="72665"/>
-            <a:ext cx="8248000" cy="673100"/>
-          </a:xfrm>
-          <a:prstGeom prst="rect">
-            <a:avLst/>
-          </a:prstGeom>
-          <a:noFill/>
-          <a:ln>
-            <a:noFill/>
-          </a:ln>
-        </p:spPr>
-        <p:txBody>
-          <a:bodyPr spcFirstLastPara="1" wrap="square" lIns="121900" tIns="121900" rIns="121900" bIns="121900" anchor="t" anchorCtr="0">
-            <a:spAutoFit/>
-            <a:scene3d>
-              <a:camera prst="orthographicFront"/>
-              <a:lightRig rig="soft" dir="t">
-                <a:rot lat="0" lon="0" rev="15600000"/>
-              </a:lightRig>
-            </a:scene3d>
-            <a:sp3d extrusionH="57150" prstMaterial="softEdge">
-              <a:bevelT w="25400" h="38100"/>
-            </a:sp3d>
-          </a:bodyPr>
-          <a:lstStyle/>
-          <a:p>
-            <a:pPr marL="0" lvl="0" indent="0" algn="ctr" rtl="0">
-              <a:spcBef>
-                <a:spcPts val="0"/>
-              </a:spcBef>
-              <a:spcAft>
-                <a:spcPts val="0"/>
-              </a:spcAft>
-              <a:buNone/>
-            </a:pPr>
-            <a:r>
-              <a:rPr lang="zh-CN" altLang="en-US" sz="2800" dirty="0">
-                <a:solidFill>
-                  <a:schemeClr val="accent4"/>
-                </a:solidFill>
-                <a:effectLst/>
-              </a:rPr>
-              <a:t>基于抛物方程方法的数据集生成</a:t>
-            </a:r>
-          </a:p>
-        </p:txBody>
-      </p:sp>
-      <p:pic>
-        <p:nvPicPr>
-          <p:cNvPr id="3" name="Picture 2" descr="fig5"/>
           <p:cNvPicPr>
             <a:picLocks noChangeAspect="1"/>
           </p:cNvPicPr>
@@ -13303,200 +14442,24 @@
         </p:blipFill>
         <p:spPr>
           <a:xfrm>
-            <a:off x="-7620" y="745490"/>
-            <a:ext cx="4855845" cy="3642360"/>
+            <a:off x="2267148" y="234609"/>
+            <a:ext cx="6517658" cy="2444786"/>
           </a:xfrm>
           <a:prstGeom prst="rect">
             <a:avLst/>
           </a:prstGeom>
         </p:spPr>
       </p:pic>
-      <mc:AlternateContent xmlns:mc="http://schemas.openxmlformats.org/markup-compatibility/2006" xmlns:a14="http://schemas.microsoft.com/office/drawing/2010/main">
-        <mc:Choice Requires="a14">
-          <p:sp>
-            <p:nvSpPr>
-              <p:cNvPr id="5" name="Text Box 4"/>
-              <p:cNvSpPr txBox="1"/>
-              <p:nvPr/>
-            </p:nvSpPr>
-            <p:spPr>
-              <a:xfrm>
-                <a:off x="446342" y="4316666"/>
-                <a:ext cx="3898265" cy="424180"/>
-              </a:xfrm>
-              <a:prstGeom prst="rect">
-                <a:avLst/>
-              </a:prstGeom>
-              <a:noFill/>
-            </p:spPr>
-            <p:txBody>
-              <a:bodyPr wrap="none" rtlCol="0" anchor="t">
-                <a:spAutoFit/>
-              </a:bodyPr>
-              <a:lstStyle/>
-              <a:p>
-                <a:pPr algn="l"/>
-                <a14:m>
-                  <m:oMathPara xmlns:m="http://schemas.openxmlformats.org/officeDocument/2006/math">
-                    <m:oMathParaPr>
-                      <m:jc m:val="centerGroup"/>
-                    </m:oMathParaPr>
-                    <m:oMath xmlns:m="http://schemas.openxmlformats.org/officeDocument/2006/math">
-                      <m:r>
-                        <a:rPr lang="en-US" i="1">
-                          <a:latin typeface="Cambria Math" panose="02040503050406030204" pitchFamily="18" charset="0"/>
-                          <a:cs typeface="DejaVu Math TeX Gyre" panose="02000503000000000000" charset="0"/>
-                        </a:rPr>
-                        <m:t>图为声压</m:t>
-                      </m:r>
-                      <m:r>
-                        <a:rPr lang="en-US" i="1">
-                          <a:latin typeface="Cambria Math" panose="02040503050406030204" pitchFamily="18" charset="0"/>
-                          <a:cs typeface="DejaVu Math TeX Gyre" panose="02000503000000000000" charset="0"/>
-                        </a:rPr>
-                        <m:t>𝑃</m:t>
-                      </m:r>
-                      <m:r>
-                        <a:rPr lang="en-US" i="1">
-                          <a:latin typeface="Cambria Math" panose="02040503050406030204" pitchFamily="18" charset="0"/>
-                          <a:cs typeface="DejaVu Math TeX Gyre" panose="02000503000000000000" charset="0"/>
-                        </a:rPr>
-                        <m:t>,</m:t>
-                      </m:r>
-                      <m:r>
-                        <a:rPr lang="en-US" i="1">
-                          <a:latin typeface="Cambria Math" panose="02040503050406030204" pitchFamily="18" charset="0"/>
-                          <a:cs typeface="DejaVu Math TeX Gyre" panose="02000503000000000000" charset="0"/>
-                        </a:rPr>
-                        <m:t>进行了变换：</m:t>
-                      </m:r>
-                      <m:acc>
-                        <m:accPr>
-                          <m:chr m:val="̃"/>
-                          <m:ctrlPr>
-                            <a:rPr lang="en-US" i="1">
-                              <a:latin typeface="Cambria Math" panose="02040503050406030204" pitchFamily="18" charset="0"/>
-                              <a:cs typeface="DejaVu Math TeX Gyre" panose="02000503000000000000" charset="0"/>
-                            </a:rPr>
-                          </m:ctrlPr>
-                        </m:accPr>
-                        <m:e>
-                          <m:r>
-                            <a:rPr lang="en-US" i="1">
-                              <a:latin typeface="Cambria Math" panose="02040503050406030204" pitchFamily="18" charset="0"/>
-                              <a:cs typeface="DejaVu Math TeX Gyre" panose="02000503000000000000" charset="0"/>
-                            </a:rPr>
-                            <m:t>𝑃</m:t>
-                          </m:r>
-                        </m:e>
-                      </m:acc>
-                      <m:r>
-                        <a:rPr lang="en-US" i="1">
-                          <a:latin typeface="Cambria Math" panose="02040503050406030204" pitchFamily="18" charset="0"/>
-                          <a:cs typeface="DejaVu Math TeX Gyre" panose="02000503000000000000" charset="0"/>
-                        </a:rPr>
-                        <m:t>=</m:t>
-                      </m:r>
-                      <m:f>
-                        <m:fPr>
-                          <m:type m:val="lin"/>
-                          <m:ctrlPr>
-                            <a:rPr lang="en-US" i="1">
-                              <a:latin typeface="Cambria Math" panose="02040503050406030204" pitchFamily="18" charset="0"/>
-                              <a:cs typeface="DejaVu Math TeX Gyre" panose="02000503000000000000" charset="0"/>
-                            </a:rPr>
-                          </m:ctrlPr>
-                        </m:fPr>
-                        <m:num>
-                          <m:r>
-                            <a:rPr lang="en-US" i="1">
-                              <a:latin typeface="Cambria Math" panose="02040503050406030204" pitchFamily="18" charset="0"/>
-                              <a:cs typeface="DejaVu Math TeX Gyre" panose="02000503000000000000" charset="0"/>
-                            </a:rPr>
-                            <m:t>𝑃</m:t>
-                          </m:r>
-                        </m:num>
-                        <m:den>
-                          <m:rad>
-                            <m:radPr>
-                              <m:degHide m:val="on"/>
-                              <m:ctrlPr>
-                                <a:rPr lang="en-US" i="1">
-                                  <a:latin typeface="Cambria Math" panose="02040503050406030204" pitchFamily="18" charset="0"/>
-                                  <a:cs typeface="DejaVu Math TeX Gyre" panose="02000503000000000000" charset="0"/>
-                                </a:rPr>
-                              </m:ctrlPr>
-                            </m:radPr>
-                            <m:deg/>
-                            <m:e>
-                              <m:r>
-                                <a:rPr lang="en-US" i="1">
-                                  <a:latin typeface="Cambria Math" panose="02040503050406030204" pitchFamily="18" charset="0"/>
-                                  <a:cs typeface="DejaVu Math TeX Gyre" panose="02000503000000000000" charset="0"/>
-                                </a:rPr>
-                                <m:t>𝑟</m:t>
-                              </m:r>
-                            </m:e>
-                          </m:rad>
-                        </m:den>
-                      </m:f>
-                    </m:oMath>
-                  </m:oMathPara>
-                </a14:m>
-                <a:endParaRPr lang="en-US"/>
-              </a:p>
-            </p:txBody>
-          </p:sp>
-        </mc:Choice>
-        <mc:Fallback xmlns="">
-          <p:sp>
-            <p:nvSpPr>
-              <p:cNvPr id="5" name="Text Box 4"/>
-              <p:cNvSpPr txBox="true">
-                <a:spLocks noRot="true" noChangeAspect="true" noMove="true" noResize="true" noEditPoints="true" noAdjustHandles="true" noChangeArrowheads="true" noChangeShapeType="true" noTextEdit="true"/>
-              </p:cNvSpPr>
-              <p:nvPr/>
-            </p:nvSpPr>
-            <p:spPr>
-              <a:xfrm>
-                <a:off x="446342" y="4316666"/>
-                <a:ext cx="3898265" cy="424180"/>
-              </a:xfrm>
-              <a:prstGeom prst="rect">
-                <a:avLst/>
-              </a:prstGeom>
-              <a:blipFill rotWithShape="true">
-                <a:blip r:embed="rId5"/>
-                <a:stretch>
-                  <a:fillRect l="-15" t="-135" r="15" b="135"/>
-                </a:stretch>
-              </a:blipFill>
-            </p:spPr>
-            <p:txBody>
-              <a:bodyPr/>
-              <a:lstStyle/>
-              <a:p>
-                <a:r>
-                  <a:rPr lang="en-US" altLang="en-US">
-                    <a:noFill/>
-                  </a:rPr>
-                  <a:t> </a:t>
-                </a:r>
-              </a:p>
-            </p:txBody>
-          </p:sp>
-        </mc:Fallback>
-      </mc:AlternateContent>
-      <p:sp>
-        <p:nvSpPr>
-          <p:cNvPr id="6" name="Text Box 5"/>
+      <p:sp>
+        <p:nvSpPr>
+          <p:cNvPr id="10" name="TextBox 57"/>
           <p:cNvSpPr txBox="1"/>
           <p:nvPr/>
         </p:nvSpPr>
         <p:spPr>
           <a:xfrm>
-            <a:off x="383540" y="4999355"/>
-            <a:ext cx="4098925" cy="1198880"/>
+            <a:off x="676127" y="2903104"/>
+            <a:ext cx="10859227" cy="646331"/>
           </a:xfrm>
           <a:prstGeom prst="rect">
             <a:avLst/>
@@ -13509,378 +14472,148 @@
           </a:bodyPr>
           <a:lstStyle/>
           <a:p>
-            <a:r>
-              <a:rPr lang="zh-CN" altLang="en-US"/>
-              <a:t>提取抛物方程进行换算去掉几何衰减后的复数声压数据作为数据集。</a:t>
-            </a:r>
-          </a:p>
-          <a:p>
-            <a:endParaRPr lang="zh-CN" altLang="en-US"/>
-          </a:p>
-          <a:p>
-            <a:r>
-              <a:rPr lang="zh-CN" altLang="en-US"/>
-              <a:t>仿真结果为</a:t>
-            </a:r>
-            <a:r>
-              <a:rPr lang="en-US" altLang="zh-CN"/>
-              <a:t>RAM</a:t>
-            </a:r>
-            <a:r>
-              <a:rPr lang="zh-CN" altLang="en-US"/>
-              <a:t>程序自带算例。</a:t>
-            </a:r>
-          </a:p>
-        </p:txBody>
-      </p:sp>
-      <p:sp>
-        <p:nvSpPr>
-          <p:cNvPr id="13" name="Content Placeholder 12"/>
-          <p:cNvSpPr>
-            <a:spLocks noGrp="1"/>
-          </p:cNvSpPr>
-          <p:nvPr>
-            <p:ph sz="half" idx="2"/>
-          </p:nvPr>
-        </p:nvSpPr>
-        <p:spPr>
-          <a:xfrm>
-            <a:off x="4683125" y="4253865"/>
-            <a:ext cx="6602095" cy="2119630"/>
-          </a:xfrm>
-          <a:ln w="28575">
-            <a:solidFill>
-              <a:schemeClr val="tx1">
-                <a:lumMod val="95000"/>
-                <a:lumOff val="5000"/>
-              </a:schemeClr>
-            </a:solidFill>
-          </a:ln>
-        </p:spPr>
-        <p:txBody>
-          <a:bodyPr/>
-          <a:lstStyle/>
-          <a:p>
-            <a:pPr marL="0" marR="0" indent="0" algn="l" defTabSz="914400" rtl="0" eaLnBrk="1" fontAlgn="auto" latinLnBrk="0" hangingPunct="1">
-              <a:lnSpc>
-                <a:spcPct val="100000"/>
-              </a:lnSpc>
-              <a:spcBef>
-                <a:spcPts val="1000"/>
-              </a:spcBef>
-              <a:spcAft>
-                <a:spcPct val="0"/>
-              </a:spcAft>
-              <a:buClrTx/>
-              <a:buSzTx/>
-              <a:buFont typeface="Arial" panose="02080604020202020204" pitchFamily="34" charset="0"/>
-              <a:buNone/>
-            </a:pPr>
-            <a:r>
-              <a:rPr kumimoji="0" lang="zh-CN" altLang="en-US" sz="1800" b="0" i="0" u="none" strike="noStrike" kern="1200" cap="none" spc="0" normalizeH="0" baseline="0" noProof="1">
+            <a:pPr algn="l"/>
+            <a:r>
+              <a:rPr lang="zh-CN" altLang="en-US" dirty="0">
                 <a:solidFill>
-                  <a:schemeClr val="tx1"/>
+                  <a:schemeClr val="accent1">
+                    <a:lumMod val="50000"/>
+                  </a:schemeClr>
                 </a:solidFill>
-                <a:latin typeface="+mn-lt"/>
-                <a:ea typeface="+mn-ea"/>
-                <a:cs typeface="+mn-cs"/>
                 <a:sym typeface="+mn-ea"/>
               </a:rPr>
-              <a:t>分为两个数据集：</a:t>
-            </a:r>
-          </a:p>
-          <a:p>
-            <a:pPr marR="0" algn="l" defTabSz="914400" rtl="0" eaLnBrk="1" fontAlgn="auto" latinLnBrk="0" hangingPunct="1">
-              <a:lnSpc>
-                <a:spcPct val="100000"/>
-              </a:lnSpc>
-              <a:spcBef>
-                <a:spcPts val="1000"/>
-              </a:spcBef>
-              <a:spcAft>
-                <a:spcPct val="0"/>
-              </a:spcAft>
-              <a:buClrTx/>
-              <a:buSzTx/>
-              <a:buFont typeface="Wingdings" panose="05000000000000000000" charset="0"/>
-              <a:buChar char=""/>
-            </a:pPr>
-            <a:r>
-              <a:rPr kumimoji="0" lang="zh-CN" altLang="en-US" sz="1800" b="0" i="0" u="none" strike="noStrike" kern="1200" cap="none" spc="0" normalizeH="0" baseline="0" noProof="1">
+              <a:t>复数声压预测与理论值之间的逐点误差：</a:t>
+            </a:r>
+            <a:r>
+              <a:rPr lang="en-US" altLang="zh-CN" dirty="0">
                 <a:solidFill>
-                  <a:schemeClr val="tx1"/>
+                  <a:schemeClr val="accent1">
+                    <a:lumMod val="50000"/>
+                  </a:schemeClr>
                 </a:solidFill>
-                <a:latin typeface="+mn-lt"/>
-                <a:ea typeface="+mn-ea"/>
-                <a:cs typeface="+mn-cs"/>
                 <a:sym typeface="+mn-ea"/>
               </a:rPr>
-              <a:t>声压实数部分：</a:t>
-            </a:r>
-            <a:r>
-              <a:rPr kumimoji="0" lang="en-US" altLang="zh-CN" sz="1800" b="0" i="0" u="none" strike="noStrike" kern="1200" cap="none" spc="0" normalizeH="0" baseline="0" noProof="1">
+              <a:t>(a)</a:t>
+            </a:r>
+            <a:r>
+              <a:rPr lang="zh-CN" altLang="en-US" dirty="0">
                 <a:solidFill>
-                  <a:schemeClr val="tx1"/>
+                  <a:schemeClr val="accent1">
+                    <a:lumMod val="50000"/>
+                  </a:schemeClr>
                 </a:solidFill>
-                <a:latin typeface="+mn-lt"/>
-                <a:ea typeface="+mn-ea"/>
-                <a:cs typeface="+mn-cs"/>
                 <a:sym typeface="+mn-ea"/>
               </a:rPr>
-              <a:t>Real-Pre</a:t>
-            </a:r>
-          </a:p>
-          <a:p>
-            <a:pPr marR="0" algn="l" defTabSz="914400" rtl="0" eaLnBrk="1" fontAlgn="auto" latinLnBrk="0" hangingPunct="1">
-              <a:lnSpc>
-                <a:spcPct val="100000"/>
-              </a:lnSpc>
-              <a:spcBef>
-                <a:spcPts val="1000"/>
-              </a:spcBef>
-              <a:spcAft>
-                <a:spcPct val="0"/>
-              </a:spcAft>
-              <a:buClrTx/>
-              <a:buSzTx/>
-              <a:buFont typeface="Wingdings" panose="05000000000000000000" charset="0"/>
-              <a:buChar char=""/>
-            </a:pPr>
-            <a:r>
-              <a:rPr kumimoji="0" lang="zh-CN" altLang="en-US" sz="1800" b="0" i="0" u="none" strike="noStrike" kern="1200" cap="none" spc="0" normalizeH="0" baseline="0" noProof="1">
+              <a:t>实数部分</a:t>
+            </a:r>
+            <a:r>
+              <a:rPr lang="en-US" altLang="zh-CN" dirty="0">
                 <a:solidFill>
-                  <a:schemeClr val="tx1"/>
+                  <a:schemeClr val="accent1">
+                    <a:lumMod val="50000"/>
+                  </a:schemeClr>
                 </a:solidFill>
-                <a:latin typeface="+mn-lt"/>
-                <a:ea typeface="+mn-ea"/>
-                <a:cs typeface="+mn-cs"/>
                 <a:sym typeface="+mn-ea"/>
               </a:rPr>
-              <a:t>声压虚数部分：</a:t>
-            </a:r>
-            <a:r>
-              <a:rPr kumimoji="0" lang="en-US" altLang="zh-CN" sz="1800" b="0" i="0" u="none" strike="noStrike" kern="1200" cap="none" spc="0" normalizeH="0" baseline="0" noProof="1">
+              <a:t>;(b)</a:t>
+            </a:r>
+            <a:r>
+              <a:rPr lang="zh-CN" altLang="en-US" dirty="0">
                 <a:solidFill>
-                  <a:schemeClr val="tx1"/>
+                  <a:schemeClr val="accent1">
+                    <a:lumMod val="50000"/>
+                  </a:schemeClr>
                 </a:solidFill>
-                <a:latin typeface="+mn-lt"/>
-                <a:ea typeface="+mn-ea"/>
-                <a:cs typeface="+mn-cs"/>
                 <a:sym typeface="+mn-ea"/>
               </a:rPr>
-              <a:t>Image-Pre</a:t>
-            </a:r>
-          </a:p>
-          <a:p>
-            <a:pPr marL="0" marR="0" indent="0" algn="l" defTabSz="914400" rtl="0" eaLnBrk="1" fontAlgn="auto" latinLnBrk="0" hangingPunct="1">
-              <a:lnSpc>
-                <a:spcPct val="100000"/>
-              </a:lnSpc>
-              <a:spcBef>
-                <a:spcPts val="1000"/>
-              </a:spcBef>
-              <a:spcAft>
-                <a:spcPct val="0"/>
-              </a:spcAft>
-              <a:buClrTx/>
-              <a:buSzTx/>
-              <a:buFont typeface="Wingdings" panose="05000000000000000000" charset="0"/>
-              <a:buNone/>
-            </a:pPr>
-            <a:r>
-              <a:rPr kumimoji="0" lang="zh-CN" altLang="en-US" sz="1800" b="0" i="0" u="none" strike="noStrike" kern="1200" cap="none" spc="0" normalizeH="0" baseline="0" noProof="1">
+              <a:t>虚数部分。误差在</a:t>
+            </a:r>
+            <a:r>
+              <a:rPr lang="en-US" altLang="zh-CN" dirty="0">
                 <a:solidFill>
-                  <a:schemeClr val="tx1"/>
+                  <a:schemeClr val="accent1">
+                    <a:lumMod val="50000"/>
+                  </a:schemeClr>
                 </a:solidFill>
-                <a:latin typeface="+mn-lt"/>
-                <a:ea typeface="+mn-ea"/>
-                <a:cs typeface="+mn-cs"/>
                 <a:sym typeface="+mn-ea"/>
               </a:rPr>
-              <a:t>对于距离</a:t>
-            </a:r>
-            <a:r>
-              <a:rPr kumimoji="0" lang="en-US" altLang="zh-CN" sz="1800" b="0" i="0" u="none" strike="noStrike" kern="1200" cap="none" spc="0" normalizeH="0" baseline="0" noProof="1">
+              <a:t>1e-3</a:t>
+            </a:r>
+            <a:r>
+              <a:rPr lang="zh-CN" altLang="en-US" dirty="0">
                 <a:solidFill>
-                  <a:schemeClr val="tx1"/>
+                  <a:schemeClr val="accent1">
+                    <a:lumMod val="50000"/>
+                  </a:schemeClr>
                 </a:solidFill>
-                <a:latin typeface="+mn-lt"/>
-                <a:ea typeface="+mn-ea"/>
-                <a:cs typeface="+mn-cs"/>
                 <a:sym typeface="+mn-ea"/>
               </a:rPr>
-              <a:t>R</a:t>
-            </a:r>
-            <a:r>
-              <a:rPr kumimoji="0" lang="zh-CN" altLang="en-US" sz="1800" b="0" i="0" u="none" strike="noStrike" kern="1200" cap="none" spc="0" normalizeH="0" baseline="0" noProof="1">
+              <a:t>量级</a:t>
+            </a:r>
+            <a:r>
+              <a:rPr lang="en-US" altLang="zh-CN" dirty="0">
                 <a:solidFill>
-                  <a:schemeClr val="tx1"/>
+                  <a:schemeClr val="accent1">
+                    <a:lumMod val="50000"/>
+                  </a:schemeClr>
                 </a:solidFill>
-                <a:latin typeface="+mn-lt"/>
-                <a:ea typeface="+mn-ea"/>
-                <a:cs typeface="+mn-cs"/>
                 <a:sym typeface="+mn-ea"/>
               </a:rPr>
-              <a:t>、深度</a:t>
-            </a:r>
-            <a:r>
-              <a:rPr kumimoji="0" lang="en-US" altLang="zh-CN" sz="1800" b="0" i="0" u="none" strike="noStrike" kern="1200" cap="none" spc="0" normalizeH="0" baseline="0" noProof="1">
+              <a:t>,</a:t>
+            </a:r>
+            <a:r>
+              <a:rPr lang="zh-CN" altLang="en-US" dirty="0">
                 <a:solidFill>
-                  <a:schemeClr val="tx1"/>
+                  <a:schemeClr val="accent1">
+                    <a:lumMod val="50000"/>
+                  </a:schemeClr>
                 </a:solidFill>
-                <a:latin typeface="+mn-lt"/>
-                <a:ea typeface="+mn-ea"/>
-                <a:cs typeface="+mn-cs"/>
                 <a:sym typeface="+mn-ea"/>
               </a:rPr>
-              <a:t>Z</a:t>
-            </a:r>
-            <a:r>
-              <a:rPr kumimoji="0" lang="zh-CN" altLang="en-US" sz="1800" b="0" i="0" u="none" strike="noStrike" kern="1200" cap="none" spc="0" normalizeH="0" baseline="0" noProof="1">
+              <a:t>在近声源点由于声源奇异性误差较高，局部点精度可以达到</a:t>
+            </a:r>
+            <a:r>
+              <a:rPr lang="en-US" altLang="zh-CN" dirty="0">
                 <a:solidFill>
-                  <a:schemeClr val="tx1"/>
+                  <a:schemeClr val="accent1">
+                    <a:lumMod val="50000"/>
+                  </a:schemeClr>
                 </a:solidFill>
-                <a:latin typeface="+mn-lt"/>
-                <a:ea typeface="+mn-ea"/>
-                <a:cs typeface="+mn-cs"/>
                 <a:sym typeface="+mn-ea"/>
               </a:rPr>
-              <a:t>、声速</a:t>
-            </a:r>
-            <a:r>
-              <a:rPr kumimoji="0" lang="en-US" altLang="zh-CN" sz="1800" b="0" i="0" u="none" strike="noStrike" kern="1200" cap="none" spc="0" normalizeH="0" baseline="0" noProof="1">
+              <a:t>1e</a:t>
+            </a:r>
+            <a:r>
+              <a:rPr lang="en-US" altLang="en-US" dirty="0">
                 <a:solidFill>
-                  <a:schemeClr val="tx1"/>
+                  <a:schemeClr val="accent1">
+                    <a:lumMod val="50000"/>
+                  </a:schemeClr>
                 </a:solidFill>
-                <a:latin typeface="+mn-lt"/>
-                <a:ea typeface="+mn-ea"/>
-                <a:cs typeface="+mn-cs"/>
                 <a:sym typeface="+mn-ea"/>
               </a:rPr>
-              <a:t>C</a:t>
-            </a:r>
-            <a:r>
-              <a:rPr kumimoji="0" lang="zh-CN" altLang="en-US" sz="1800" b="0" i="0" u="none" strike="noStrike" kern="1200" cap="none" spc="0" normalizeH="0" baseline="0" noProof="1">
+              <a:t>-6</a:t>
+            </a:r>
+            <a:r>
+              <a:rPr lang="zh-CN" altLang="en-US" dirty="0">
                 <a:solidFill>
-                  <a:schemeClr val="tx1"/>
+                  <a:schemeClr val="accent1">
+                    <a:lumMod val="50000"/>
+                  </a:schemeClr>
                 </a:solidFill>
-                <a:latin typeface="+mn-lt"/>
-                <a:ea typeface="+mn-ea"/>
-                <a:cs typeface="+mn-cs"/>
                 <a:sym typeface="+mn-ea"/>
               </a:rPr>
-              <a:t>的三维变量数据集如上图所示。</a:t>
-            </a:r>
-          </a:p>
-          <a:p>
-            <a:pPr marL="0" marR="0" indent="0" algn="l" defTabSz="914400" rtl="0" eaLnBrk="1" fontAlgn="auto" latinLnBrk="0" hangingPunct="1">
-              <a:lnSpc>
-                <a:spcPct val="100000"/>
-              </a:lnSpc>
-              <a:spcBef>
-                <a:spcPts val="1000"/>
-              </a:spcBef>
-              <a:spcAft>
-                <a:spcPct val="0"/>
-              </a:spcAft>
-              <a:buClrTx/>
-              <a:buSzTx/>
-              <a:buFont typeface="Wingdings" panose="05000000000000000000" charset="0"/>
-              <a:buNone/>
-            </a:pPr>
-            <a:r>
-              <a:rPr kumimoji="0" lang="zh-CN" altLang="en-US" sz="1800" b="0" i="0" u="none" strike="noStrike" kern="1200" cap="none" spc="0" normalizeH="0" baseline="0" noProof="1">
-                <a:solidFill>
-                  <a:schemeClr val="tx1"/>
-                </a:solidFill>
-                <a:latin typeface="+mn-lt"/>
-                <a:ea typeface="+mn-ea"/>
-                <a:cs typeface="+mn-cs"/>
-                <a:sym typeface="+mn-ea"/>
-              </a:rPr>
-              <a:t>数据集是一个（</a:t>
-            </a:r>
-            <a:r>
-              <a:rPr kumimoji="0" lang="en-US" altLang="zh-CN" sz="1800" b="0" i="0" u="none" strike="noStrike" kern="1200" cap="none" spc="0" normalizeH="0" baseline="0" noProof="1">
-                <a:solidFill>
-                  <a:schemeClr val="tx1"/>
-                </a:solidFill>
-                <a:latin typeface="+mn-lt"/>
-                <a:ea typeface="+mn-ea"/>
-                <a:cs typeface="+mn-cs"/>
-                <a:sym typeface="+mn-ea"/>
-              </a:rPr>
-              <a:t>R</a:t>
-            </a:r>
-            <a:r>
-              <a:rPr kumimoji="0" lang="zh-CN" altLang="en-US" sz="1800" b="0" i="0" u="none" strike="noStrike" kern="1200" cap="none" spc="0" normalizeH="0" baseline="0" noProof="1">
-                <a:solidFill>
-                  <a:schemeClr val="tx1"/>
-                </a:solidFill>
-                <a:latin typeface="+mn-lt"/>
-                <a:ea typeface="+mn-ea"/>
-                <a:cs typeface="+mn-cs"/>
-                <a:sym typeface="+mn-ea"/>
-              </a:rPr>
-              <a:t>，</a:t>
-            </a:r>
-            <a:r>
-              <a:rPr kumimoji="0" lang="en-US" altLang="zh-CN" sz="1800" b="0" i="0" u="none" strike="noStrike" kern="1200" cap="none" spc="0" normalizeH="0" baseline="0" noProof="1">
-                <a:solidFill>
-                  <a:schemeClr val="tx1"/>
-                </a:solidFill>
-                <a:latin typeface="+mn-lt"/>
-                <a:ea typeface="+mn-ea"/>
-                <a:cs typeface="+mn-cs"/>
-                <a:sym typeface="+mn-ea"/>
-              </a:rPr>
-              <a:t>Z</a:t>
-            </a:r>
-            <a:r>
-              <a:rPr kumimoji="0" lang="zh-CN" altLang="en-US" sz="1800" b="0" i="0" u="none" strike="noStrike" kern="1200" cap="none" spc="0" normalizeH="0" baseline="0" noProof="1">
-                <a:solidFill>
-                  <a:schemeClr val="tx1"/>
-                </a:solidFill>
-                <a:latin typeface="+mn-lt"/>
-                <a:ea typeface="+mn-ea"/>
-                <a:cs typeface="+mn-cs"/>
-                <a:sym typeface="+mn-ea"/>
-              </a:rPr>
-              <a:t>，</a:t>
-            </a:r>
-            <a:r>
-              <a:rPr kumimoji="0" lang="en-US" altLang="zh-CN" sz="1800" b="0" i="0" u="none" strike="noStrike" kern="1200" cap="none" spc="0" normalizeH="0" baseline="0" noProof="1">
-                <a:solidFill>
-                  <a:schemeClr val="tx1"/>
-                </a:solidFill>
-                <a:latin typeface="+mn-lt"/>
-                <a:ea typeface="+mn-ea"/>
-                <a:cs typeface="+mn-cs"/>
-                <a:sym typeface="+mn-ea"/>
-              </a:rPr>
-              <a:t>C</a:t>
-            </a:r>
-            <a:r>
-              <a:rPr kumimoji="0" lang="zh-CN" altLang="en-US" sz="1800" b="0" i="0" u="none" strike="noStrike" kern="1200" cap="none" spc="0" normalizeH="0" baseline="0" noProof="1">
-                <a:solidFill>
-                  <a:schemeClr val="tx1"/>
-                </a:solidFill>
-                <a:latin typeface="+mn-lt"/>
-                <a:ea typeface="+mn-ea"/>
-                <a:cs typeface="+mn-cs"/>
-                <a:sym typeface="+mn-ea"/>
-              </a:rPr>
-              <a:t>）和复数声压值的映射关系。</a:t>
-            </a:r>
-          </a:p>
-        </p:txBody>
-      </p:sp>
-      <p:sp>
-        <p:nvSpPr>
-          <p:cNvPr id="7" name="灯片编号占位符 6">
+              <a:t>。</a:t>
+            </a:r>
+          </a:p>
+        </p:txBody>
+      </p:sp>
+      <p:sp>
+        <p:nvSpPr>
+          <p:cNvPr id="6" name="灯片编号占位符 5">
             <a:extLst>
               <a:ext uri="{FF2B5EF4-FFF2-40B4-BE49-F238E27FC236}">
-                <a16:creationId xmlns:a16="http://schemas.microsoft.com/office/drawing/2014/main" id="{E0EF8F0B-3633-472D-8AA5-B0809B9E2778}"/>
+                <a16:creationId xmlns:a16="http://schemas.microsoft.com/office/drawing/2014/main" id="{96E569B4-0100-423F-9C2B-6CB480FC08E1}"/>
               </a:ext>
             </a:extLst>
           </p:cNvPr>
@@ -13914,6 +14647,11 @@
         </p:txBody>
       </p:sp>
     </p:spTree>
+    <p:extLst>
+      <p:ext uri="{BB962C8B-B14F-4D97-AF65-F5344CB8AC3E}">
+        <p14:creationId xmlns:p14="http://schemas.microsoft.com/office/powerpoint/2010/main" val="1255749334"/>
+      </p:ext>
+    </p:extLst>
   </p:cSld>
   <p:clrMapOvr>
     <a:masterClrMapping/>
